--- a/Images/fig4_selected_nets_skewness.pptx
+++ b/Images/fig4_selected_nets_skewness.pptx
@@ -2,12 +2,12 @@
 <file path=ppt/presentation.xml><?xml version="1.0" encoding="utf-8"?>
 <p:presentation xmlns:a="http://schemas.openxmlformats.org/drawingml/2006/main" xmlns:r="http://schemas.openxmlformats.org/officeDocument/2006/relationships" xmlns:p="http://schemas.openxmlformats.org/presentationml/2006/main" saveSubsetFonts="1">
   <p:sldMasterIdLst>
-    <p:sldMasterId id="2147483708" r:id="rId1"/>
+    <p:sldMasterId id="2147483744" r:id="rId1"/>
   </p:sldMasterIdLst>
   <p:sldIdLst>
     <p:sldId id="256" r:id="rId2"/>
   </p:sldIdLst>
-  <p:sldSz cx="18288000" cy="7315200"/>
+  <p:sldSz cx="18288000" cy="41148000"/>
   <p:notesSz cx="6858000" cy="9144000"/>
   <p:defaultTextStyle>
     <a:defPPr>
@@ -141,15 +141,15 @@
         </p:nvSpPr>
         <p:spPr>
           <a:xfrm>
-            <a:off x="2286000" y="1197187"/>
-            <a:ext cx="13716000" cy="2546773"/>
+            <a:off x="1371600" y="6734178"/>
+            <a:ext cx="15544800" cy="14325600"/>
           </a:xfrm>
         </p:spPr>
         <p:txBody>
           <a:bodyPr anchor="b"/>
           <a:lstStyle>
             <a:lvl1pPr algn="ctr">
-              <a:defRPr sz="6400"/>
+              <a:defRPr sz="12000"/>
             </a:lvl1pPr>
           </a:lstStyle>
           <a:p>
@@ -173,8 +173,8 @@
         </p:nvSpPr>
         <p:spPr>
           <a:xfrm>
-            <a:off x="2286000" y="3842174"/>
-            <a:ext cx="13716000" cy="1766146"/>
+            <a:off x="2286000" y="21612228"/>
+            <a:ext cx="13716000" cy="9934572"/>
           </a:xfrm>
         </p:spPr>
         <p:txBody>
@@ -182,39 +182,39 @@
           <a:lstStyle>
             <a:lvl1pPr marL="0" indent="0" algn="ctr">
               <a:buNone/>
-              <a:defRPr sz="2560"/>
+              <a:defRPr sz="4800"/>
             </a:lvl1pPr>
-            <a:lvl2pPr marL="487695" indent="0" algn="ctr">
-              <a:buNone/>
-              <a:defRPr sz="2133"/>
+            <a:lvl2pPr marL="914400" indent="0" algn="ctr">
+              <a:buNone/>
+              <a:defRPr sz="4000"/>
             </a:lvl2pPr>
-            <a:lvl3pPr marL="975390" indent="0" algn="ctr">
-              <a:buNone/>
-              <a:defRPr sz="1920"/>
+            <a:lvl3pPr marL="1828800" indent="0" algn="ctr">
+              <a:buNone/>
+              <a:defRPr sz="3600"/>
             </a:lvl3pPr>
-            <a:lvl4pPr marL="1463086" indent="0" algn="ctr">
-              <a:buNone/>
-              <a:defRPr sz="1707"/>
+            <a:lvl4pPr marL="2743200" indent="0" algn="ctr">
+              <a:buNone/>
+              <a:defRPr sz="3200"/>
             </a:lvl4pPr>
-            <a:lvl5pPr marL="1950781" indent="0" algn="ctr">
-              <a:buNone/>
-              <a:defRPr sz="1707"/>
+            <a:lvl5pPr marL="3657600" indent="0" algn="ctr">
+              <a:buNone/>
+              <a:defRPr sz="3200"/>
             </a:lvl5pPr>
-            <a:lvl6pPr marL="2438476" indent="0" algn="ctr">
-              <a:buNone/>
-              <a:defRPr sz="1707"/>
+            <a:lvl6pPr marL="4572000" indent="0" algn="ctr">
+              <a:buNone/>
+              <a:defRPr sz="3200"/>
             </a:lvl6pPr>
-            <a:lvl7pPr marL="2926171" indent="0" algn="ctr">
-              <a:buNone/>
-              <a:defRPr sz="1707"/>
+            <a:lvl7pPr marL="5486400" indent="0" algn="ctr">
+              <a:buNone/>
+              <a:defRPr sz="3200"/>
             </a:lvl7pPr>
-            <a:lvl8pPr marL="3413867" indent="0" algn="ctr">
-              <a:buNone/>
-              <a:defRPr sz="1707"/>
+            <a:lvl8pPr marL="6400800" indent="0" algn="ctr">
+              <a:buNone/>
+              <a:defRPr sz="3200"/>
             </a:lvl8pPr>
-            <a:lvl9pPr marL="3901562" indent="0" algn="ctr">
-              <a:buNone/>
-              <a:defRPr sz="1707"/>
+            <a:lvl9pPr marL="7315200" indent="0" algn="ctr">
+              <a:buNone/>
+              <a:defRPr sz="3200"/>
             </a:lvl9pPr>
           </a:lstStyle>
           <a:p>
@@ -243,7 +243,7 @@
           <a:p>
             <a:fld id="{035210FE-A7F4-4FC4-834D-6C5A8730557C}" type="datetimeFigureOut">
               <a:rPr lang="en-US" smtClean="0"/>
-              <a:t>7/29/2021</a:t>
+              <a:t>9/19/2021</a:t>
             </a:fld>
             <a:endParaRPr lang="en-US"/>
           </a:p>
@@ -294,7 +294,7 @@
     </p:spTree>
     <p:extLst>
       <p:ext uri="{BB962C8B-B14F-4D97-AF65-F5344CB8AC3E}">
-        <p14:creationId xmlns:p14="http://schemas.microsoft.com/office/powerpoint/2010/main" val="1220174274"/>
+        <p14:creationId xmlns:p14="http://schemas.microsoft.com/office/powerpoint/2010/main" val="1891017404"/>
       </p:ext>
     </p:extLst>
   </p:cSld>
@@ -413,7 +413,7 @@
           <a:p>
             <a:fld id="{035210FE-A7F4-4FC4-834D-6C5A8730557C}" type="datetimeFigureOut">
               <a:rPr lang="en-US" smtClean="0"/>
-              <a:t>7/29/2021</a:t>
+              <a:t>9/19/2021</a:t>
             </a:fld>
             <a:endParaRPr lang="en-US"/>
           </a:p>
@@ -464,7 +464,7 @@
     </p:spTree>
     <p:extLst>
       <p:ext uri="{BB962C8B-B14F-4D97-AF65-F5344CB8AC3E}">
-        <p14:creationId xmlns:p14="http://schemas.microsoft.com/office/powerpoint/2010/main" val="1087492849"/>
+        <p14:creationId xmlns:p14="http://schemas.microsoft.com/office/powerpoint/2010/main" val="214065852"/>
       </p:ext>
     </p:extLst>
   </p:cSld>
@@ -503,8 +503,8 @@
         </p:nvSpPr>
         <p:spPr>
           <a:xfrm>
-            <a:off x="13087350" y="389467"/>
-            <a:ext cx="3943350" cy="6199294"/>
+            <a:off x="13087351" y="2190750"/>
+            <a:ext cx="3943350" cy="34871028"/>
           </a:xfrm>
         </p:spPr>
         <p:txBody>
@@ -531,8 +531,8 @@
         </p:nvSpPr>
         <p:spPr>
           <a:xfrm>
-            <a:off x="1257300" y="389467"/>
-            <a:ext cx="11601450" cy="6199294"/>
+            <a:off x="1257301" y="2190750"/>
+            <a:ext cx="11601450" cy="34871028"/>
           </a:xfrm>
         </p:spPr>
         <p:txBody>
@@ -593,7 +593,7 @@
           <a:p>
             <a:fld id="{035210FE-A7F4-4FC4-834D-6C5A8730557C}" type="datetimeFigureOut">
               <a:rPr lang="en-US" smtClean="0"/>
-              <a:t>7/29/2021</a:t>
+              <a:t>9/19/2021</a:t>
             </a:fld>
             <a:endParaRPr lang="en-US"/>
           </a:p>
@@ -644,7 +644,7 @@
     </p:spTree>
     <p:extLst>
       <p:ext uri="{BB962C8B-B14F-4D97-AF65-F5344CB8AC3E}">
-        <p14:creationId xmlns:p14="http://schemas.microsoft.com/office/powerpoint/2010/main" val="26242572"/>
+        <p14:creationId xmlns:p14="http://schemas.microsoft.com/office/powerpoint/2010/main" val="896797102"/>
       </p:ext>
     </p:extLst>
   </p:cSld>
@@ -763,7 +763,7 @@
           <a:p>
             <a:fld id="{035210FE-A7F4-4FC4-834D-6C5A8730557C}" type="datetimeFigureOut">
               <a:rPr lang="en-US" smtClean="0"/>
-              <a:t>7/29/2021</a:t>
+              <a:t>9/19/2021</a:t>
             </a:fld>
             <a:endParaRPr lang="en-US"/>
           </a:p>
@@ -814,7 +814,7 @@
     </p:spTree>
     <p:extLst>
       <p:ext uri="{BB962C8B-B14F-4D97-AF65-F5344CB8AC3E}">
-        <p14:creationId xmlns:p14="http://schemas.microsoft.com/office/powerpoint/2010/main" val="3052241603"/>
+        <p14:creationId xmlns:p14="http://schemas.microsoft.com/office/powerpoint/2010/main" val="3455621615"/>
       </p:ext>
     </p:extLst>
   </p:cSld>
@@ -853,15 +853,15 @@
         </p:nvSpPr>
         <p:spPr>
           <a:xfrm>
-            <a:off x="1247775" y="1823721"/>
-            <a:ext cx="15773400" cy="3042919"/>
+            <a:off x="1247776" y="10258437"/>
+            <a:ext cx="15773400" cy="17116422"/>
           </a:xfrm>
         </p:spPr>
         <p:txBody>
           <a:bodyPr anchor="b"/>
           <a:lstStyle>
             <a:lvl1pPr>
-              <a:defRPr sz="6400"/>
+              <a:defRPr sz="12000"/>
             </a:lvl1pPr>
           </a:lstStyle>
           <a:p>
@@ -885,8 +885,8 @@
         </p:nvSpPr>
         <p:spPr>
           <a:xfrm>
-            <a:off x="1247775" y="4895428"/>
-            <a:ext cx="15773400" cy="1600199"/>
+            <a:off x="1247776" y="27536787"/>
+            <a:ext cx="15773400" cy="9001122"/>
           </a:xfrm>
         </p:spPr>
         <p:txBody>
@@ -894,17 +894,15 @@
           <a:lstStyle>
             <a:lvl1pPr marL="0" indent="0">
               <a:buNone/>
-              <a:defRPr sz="2560">
+              <a:defRPr sz="4800">
                 <a:solidFill>
-                  <a:schemeClr val="tx1">
-                    <a:tint val="75000"/>
-                  </a:schemeClr>
+                  <a:schemeClr val="tx1"/>
                 </a:solidFill>
               </a:defRPr>
             </a:lvl1pPr>
-            <a:lvl2pPr marL="487695" indent="0">
-              <a:buNone/>
-              <a:defRPr sz="2133">
+            <a:lvl2pPr marL="914400" indent="0">
+              <a:buNone/>
+              <a:defRPr sz="4000">
                 <a:solidFill>
                   <a:schemeClr val="tx1">
                     <a:tint val="75000"/>
@@ -912,9 +910,9 @@
                 </a:solidFill>
               </a:defRPr>
             </a:lvl2pPr>
-            <a:lvl3pPr marL="975390" indent="0">
-              <a:buNone/>
-              <a:defRPr sz="1920">
+            <a:lvl3pPr marL="1828800" indent="0">
+              <a:buNone/>
+              <a:defRPr sz="3600">
                 <a:solidFill>
                   <a:schemeClr val="tx1">
                     <a:tint val="75000"/>
@@ -922,9 +920,9 @@
                 </a:solidFill>
               </a:defRPr>
             </a:lvl3pPr>
-            <a:lvl4pPr marL="1463086" indent="0">
-              <a:buNone/>
-              <a:defRPr sz="1707">
+            <a:lvl4pPr marL="2743200" indent="0">
+              <a:buNone/>
+              <a:defRPr sz="3200">
                 <a:solidFill>
                   <a:schemeClr val="tx1">
                     <a:tint val="75000"/>
@@ -932,9 +930,9 @@
                 </a:solidFill>
               </a:defRPr>
             </a:lvl4pPr>
-            <a:lvl5pPr marL="1950781" indent="0">
-              <a:buNone/>
-              <a:defRPr sz="1707">
+            <a:lvl5pPr marL="3657600" indent="0">
+              <a:buNone/>
+              <a:defRPr sz="3200">
                 <a:solidFill>
                   <a:schemeClr val="tx1">
                     <a:tint val="75000"/>
@@ -942,9 +940,9 @@
                 </a:solidFill>
               </a:defRPr>
             </a:lvl5pPr>
-            <a:lvl6pPr marL="2438476" indent="0">
-              <a:buNone/>
-              <a:defRPr sz="1707">
+            <a:lvl6pPr marL="4572000" indent="0">
+              <a:buNone/>
+              <a:defRPr sz="3200">
                 <a:solidFill>
                   <a:schemeClr val="tx1">
                     <a:tint val="75000"/>
@@ -952,9 +950,9 @@
                 </a:solidFill>
               </a:defRPr>
             </a:lvl6pPr>
-            <a:lvl7pPr marL="2926171" indent="0">
-              <a:buNone/>
-              <a:defRPr sz="1707">
+            <a:lvl7pPr marL="5486400" indent="0">
+              <a:buNone/>
+              <a:defRPr sz="3200">
                 <a:solidFill>
                   <a:schemeClr val="tx1">
                     <a:tint val="75000"/>
@@ -962,9 +960,9 @@
                 </a:solidFill>
               </a:defRPr>
             </a:lvl7pPr>
-            <a:lvl8pPr marL="3413867" indent="0">
-              <a:buNone/>
-              <a:defRPr sz="1707">
+            <a:lvl8pPr marL="6400800" indent="0">
+              <a:buNone/>
+              <a:defRPr sz="3200">
                 <a:solidFill>
                   <a:schemeClr val="tx1">
                     <a:tint val="75000"/>
@@ -972,9 +970,9 @@
                 </a:solidFill>
               </a:defRPr>
             </a:lvl8pPr>
-            <a:lvl9pPr marL="3901562" indent="0">
-              <a:buNone/>
-              <a:defRPr sz="1707">
+            <a:lvl9pPr marL="7315200" indent="0">
+              <a:buNone/>
+              <a:defRPr sz="3200">
                 <a:solidFill>
                   <a:schemeClr val="tx1">
                     <a:tint val="75000"/>
@@ -1009,7 +1007,7 @@
           <a:p>
             <a:fld id="{035210FE-A7F4-4FC4-834D-6C5A8730557C}" type="datetimeFigureOut">
               <a:rPr lang="en-US" smtClean="0"/>
-              <a:t>7/29/2021</a:t>
+              <a:t>9/19/2021</a:t>
             </a:fld>
             <a:endParaRPr lang="en-US"/>
           </a:p>
@@ -1060,7 +1058,7 @@
     </p:spTree>
     <p:extLst>
       <p:ext uri="{BB962C8B-B14F-4D97-AF65-F5344CB8AC3E}">
-        <p14:creationId xmlns:p14="http://schemas.microsoft.com/office/powerpoint/2010/main" val="207622757"/>
+        <p14:creationId xmlns:p14="http://schemas.microsoft.com/office/powerpoint/2010/main" val="2245235888"/>
       </p:ext>
     </p:extLst>
   </p:cSld>
@@ -1122,8 +1120,8 @@
         </p:nvSpPr>
         <p:spPr>
           <a:xfrm>
-            <a:off x="1257300" y="1947333"/>
-            <a:ext cx="7772400" cy="4641427"/>
+            <a:off x="1257300" y="10953750"/>
+            <a:ext cx="7772400" cy="26108028"/>
           </a:xfrm>
         </p:spPr>
         <p:txBody>
@@ -1179,8 +1177,8 @@
         </p:nvSpPr>
         <p:spPr>
           <a:xfrm>
-            <a:off x="9258300" y="1947333"/>
-            <a:ext cx="7772400" cy="4641427"/>
+            <a:off x="9258300" y="10953750"/>
+            <a:ext cx="7772400" cy="26108028"/>
           </a:xfrm>
         </p:spPr>
         <p:txBody>
@@ -1241,7 +1239,7 @@
           <a:p>
             <a:fld id="{035210FE-A7F4-4FC4-834D-6C5A8730557C}" type="datetimeFigureOut">
               <a:rPr lang="en-US" smtClean="0"/>
-              <a:t>7/29/2021</a:t>
+              <a:t>9/19/2021</a:t>
             </a:fld>
             <a:endParaRPr lang="en-US"/>
           </a:p>
@@ -1292,7 +1290,7 @@
     </p:spTree>
     <p:extLst>
       <p:ext uri="{BB962C8B-B14F-4D97-AF65-F5344CB8AC3E}">
-        <p14:creationId xmlns:p14="http://schemas.microsoft.com/office/powerpoint/2010/main" val="4166360510"/>
+        <p14:creationId xmlns:p14="http://schemas.microsoft.com/office/powerpoint/2010/main" val="1696033013"/>
       </p:ext>
     </p:extLst>
   </p:cSld>
@@ -1331,8 +1329,8 @@
         </p:nvSpPr>
         <p:spPr>
           <a:xfrm>
-            <a:off x="1259682" y="389467"/>
-            <a:ext cx="15773400" cy="1413934"/>
+            <a:off x="1259682" y="2190759"/>
+            <a:ext cx="15773400" cy="7953378"/>
           </a:xfrm>
         </p:spPr>
         <p:txBody>
@@ -1359,8 +1357,8 @@
         </p:nvSpPr>
         <p:spPr>
           <a:xfrm>
-            <a:off x="1259683" y="1793241"/>
-            <a:ext cx="7736681" cy="878839"/>
+            <a:off x="1259684" y="10086978"/>
+            <a:ext cx="7736680" cy="4943472"/>
           </a:xfrm>
         </p:spPr>
         <p:txBody>
@@ -1368,39 +1366,39 @@
           <a:lstStyle>
             <a:lvl1pPr marL="0" indent="0">
               <a:buNone/>
-              <a:defRPr sz="2560" b="1"/>
+              <a:defRPr sz="4800" b="1"/>
             </a:lvl1pPr>
-            <a:lvl2pPr marL="487695" indent="0">
-              <a:buNone/>
-              <a:defRPr sz="2133" b="1"/>
+            <a:lvl2pPr marL="914400" indent="0">
+              <a:buNone/>
+              <a:defRPr sz="4000" b="1"/>
             </a:lvl2pPr>
-            <a:lvl3pPr marL="975390" indent="0">
-              <a:buNone/>
-              <a:defRPr sz="1920" b="1"/>
+            <a:lvl3pPr marL="1828800" indent="0">
+              <a:buNone/>
+              <a:defRPr sz="3600" b="1"/>
             </a:lvl3pPr>
-            <a:lvl4pPr marL="1463086" indent="0">
-              <a:buNone/>
-              <a:defRPr sz="1707" b="1"/>
+            <a:lvl4pPr marL="2743200" indent="0">
+              <a:buNone/>
+              <a:defRPr sz="3200" b="1"/>
             </a:lvl4pPr>
-            <a:lvl5pPr marL="1950781" indent="0">
-              <a:buNone/>
-              <a:defRPr sz="1707" b="1"/>
+            <a:lvl5pPr marL="3657600" indent="0">
+              <a:buNone/>
+              <a:defRPr sz="3200" b="1"/>
             </a:lvl5pPr>
-            <a:lvl6pPr marL="2438476" indent="0">
-              <a:buNone/>
-              <a:defRPr sz="1707" b="1"/>
+            <a:lvl6pPr marL="4572000" indent="0">
+              <a:buNone/>
+              <a:defRPr sz="3200" b="1"/>
             </a:lvl6pPr>
-            <a:lvl7pPr marL="2926171" indent="0">
-              <a:buNone/>
-              <a:defRPr sz="1707" b="1"/>
+            <a:lvl7pPr marL="5486400" indent="0">
+              <a:buNone/>
+              <a:defRPr sz="3200" b="1"/>
             </a:lvl7pPr>
-            <a:lvl8pPr marL="3413867" indent="0">
-              <a:buNone/>
-              <a:defRPr sz="1707" b="1"/>
+            <a:lvl8pPr marL="6400800" indent="0">
+              <a:buNone/>
+              <a:defRPr sz="3200" b="1"/>
             </a:lvl8pPr>
-            <a:lvl9pPr marL="3901562" indent="0">
-              <a:buNone/>
-              <a:defRPr sz="1707" b="1"/>
+            <a:lvl9pPr marL="7315200" indent="0">
+              <a:buNone/>
+              <a:defRPr sz="3200" b="1"/>
             </a:lvl9pPr>
           </a:lstStyle>
           <a:p>
@@ -1424,8 +1422,8 @@
         </p:nvSpPr>
         <p:spPr>
           <a:xfrm>
-            <a:off x="1259683" y="2672080"/>
-            <a:ext cx="7736681" cy="3930227"/>
+            <a:off x="1259684" y="15030450"/>
+            <a:ext cx="7736680" cy="22107528"/>
           </a:xfrm>
         </p:spPr>
         <p:txBody>
@@ -1481,8 +1479,8 @@
         </p:nvSpPr>
         <p:spPr>
           <a:xfrm>
-            <a:off x="9258300" y="1793241"/>
-            <a:ext cx="7774782" cy="878839"/>
+            <a:off x="9258301" y="10086978"/>
+            <a:ext cx="7774782" cy="4943472"/>
           </a:xfrm>
         </p:spPr>
         <p:txBody>
@@ -1490,39 +1488,39 @@
           <a:lstStyle>
             <a:lvl1pPr marL="0" indent="0">
               <a:buNone/>
-              <a:defRPr sz="2560" b="1"/>
+              <a:defRPr sz="4800" b="1"/>
             </a:lvl1pPr>
-            <a:lvl2pPr marL="487695" indent="0">
-              <a:buNone/>
-              <a:defRPr sz="2133" b="1"/>
+            <a:lvl2pPr marL="914400" indent="0">
+              <a:buNone/>
+              <a:defRPr sz="4000" b="1"/>
             </a:lvl2pPr>
-            <a:lvl3pPr marL="975390" indent="0">
-              <a:buNone/>
-              <a:defRPr sz="1920" b="1"/>
+            <a:lvl3pPr marL="1828800" indent="0">
+              <a:buNone/>
+              <a:defRPr sz="3600" b="1"/>
             </a:lvl3pPr>
-            <a:lvl4pPr marL="1463086" indent="0">
-              <a:buNone/>
-              <a:defRPr sz="1707" b="1"/>
+            <a:lvl4pPr marL="2743200" indent="0">
+              <a:buNone/>
+              <a:defRPr sz="3200" b="1"/>
             </a:lvl4pPr>
-            <a:lvl5pPr marL="1950781" indent="0">
-              <a:buNone/>
-              <a:defRPr sz="1707" b="1"/>
+            <a:lvl5pPr marL="3657600" indent="0">
+              <a:buNone/>
+              <a:defRPr sz="3200" b="1"/>
             </a:lvl5pPr>
-            <a:lvl6pPr marL="2438476" indent="0">
-              <a:buNone/>
-              <a:defRPr sz="1707" b="1"/>
+            <a:lvl6pPr marL="4572000" indent="0">
+              <a:buNone/>
+              <a:defRPr sz="3200" b="1"/>
             </a:lvl6pPr>
-            <a:lvl7pPr marL="2926171" indent="0">
-              <a:buNone/>
-              <a:defRPr sz="1707" b="1"/>
+            <a:lvl7pPr marL="5486400" indent="0">
+              <a:buNone/>
+              <a:defRPr sz="3200" b="1"/>
             </a:lvl7pPr>
-            <a:lvl8pPr marL="3413867" indent="0">
-              <a:buNone/>
-              <a:defRPr sz="1707" b="1"/>
+            <a:lvl8pPr marL="6400800" indent="0">
+              <a:buNone/>
+              <a:defRPr sz="3200" b="1"/>
             </a:lvl8pPr>
-            <a:lvl9pPr marL="3901562" indent="0">
-              <a:buNone/>
-              <a:defRPr sz="1707" b="1"/>
+            <a:lvl9pPr marL="7315200" indent="0">
+              <a:buNone/>
+              <a:defRPr sz="3200" b="1"/>
             </a:lvl9pPr>
           </a:lstStyle>
           <a:p>
@@ -1546,8 +1544,8 @@
         </p:nvSpPr>
         <p:spPr>
           <a:xfrm>
-            <a:off x="9258300" y="2672080"/>
-            <a:ext cx="7774782" cy="3930227"/>
+            <a:off x="9258301" y="15030450"/>
+            <a:ext cx="7774782" cy="22107528"/>
           </a:xfrm>
         </p:spPr>
         <p:txBody>
@@ -1608,7 +1606,7 @@
           <a:p>
             <a:fld id="{035210FE-A7F4-4FC4-834D-6C5A8730557C}" type="datetimeFigureOut">
               <a:rPr lang="en-US" smtClean="0"/>
-              <a:t>7/29/2021</a:t>
+              <a:t>9/19/2021</a:t>
             </a:fld>
             <a:endParaRPr lang="en-US"/>
           </a:p>
@@ -1659,7 +1657,7 @@
     </p:spTree>
     <p:extLst>
       <p:ext uri="{BB962C8B-B14F-4D97-AF65-F5344CB8AC3E}">
-        <p14:creationId xmlns:p14="http://schemas.microsoft.com/office/powerpoint/2010/main" val="3978312714"/>
+        <p14:creationId xmlns:p14="http://schemas.microsoft.com/office/powerpoint/2010/main" val="2584390336"/>
       </p:ext>
     </p:extLst>
   </p:cSld>
@@ -1726,7 +1724,7 @@
           <a:p>
             <a:fld id="{035210FE-A7F4-4FC4-834D-6C5A8730557C}" type="datetimeFigureOut">
               <a:rPr lang="en-US" smtClean="0"/>
-              <a:t>7/29/2021</a:t>
+              <a:t>9/19/2021</a:t>
             </a:fld>
             <a:endParaRPr lang="en-US"/>
           </a:p>
@@ -1777,7 +1775,7 @@
     </p:spTree>
     <p:extLst>
       <p:ext uri="{BB962C8B-B14F-4D97-AF65-F5344CB8AC3E}">
-        <p14:creationId xmlns:p14="http://schemas.microsoft.com/office/powerpoint/2010/main" val="1184708203"/>
+        <p14:creationId xmlns:p14="http://schemas.microsoft.com/office/powerpoint/2010/main" val="4221985842"/>
       </p:ext>
     </p:extLst>
   </p:cSld>
@@ -1821,7 +1819,7 @@
           <a:p>
             <a:fld id="{035210FE-A7F4-4FC4-834D-6C5A8730557C}" type="datetimeFigureOut">
               <a:rPr lang="en-US" smtClean="0"/>
-              <a:t>7/29/2021</a:t>
+              <a:t>9/19/2021</a:t>
             </a:fld>
             <a:endParaRPr lang="en-US"/>
           </a:p>
@@ -1872,7 +1870,7 @@
     </p:spTree>
     <p:extLst>
       <p:ext uri="{BB962C8B-B14F-4D97-AF65-F5344CB8AC3E}">
-        <p14:creationId xmlns:p14="http://schemas.microsoft.com/office/powerpoint/2010/main" val="196919776"/>
+        <p14:creationId xmlns:p14="http://schemas.microsoft.com/office/powerpoint/2010/main" val="2301479177"/>
       </p:ext>
     </p:extLst>
   </p:cSld>
@@ -1911,15 +1909,15 @@
         </p:nvSpPr>
         <p:spPr>
           <a:xfrm>
-            <a:off x="1259683" y="487680"/>
-            <a:ext cx="5898356" cy="1706880"/>
+            <a:off x="1259682" y="2743200"/>
+            <a:ext cx="5898356" cy="9601200"/>
           </a:xfrm>
         </p:spPr>
         <p:txBody>
           <a:bodyPr anchor="b"/>
           <a:lstStyle>
             <a:lvl1pPr>
-              <a:defRPr sz="3413"/>
+              <a:defRPr sz="6400"/>
             </a:lvl1pPr>
           </a:lstStyle>
           <a:p>
@@ -1943,39 +1941,39 @@
         </p:nvSpPr>
         <p:spPr>
           <a:xfrm>
-            <a:off x="7774782" y="1053254"/>
-            <a:ext cx="9258300" cy="5198533"/>
+            <a:off x="7774782" y="5924559"/>
+            <a:ext cx="9258300" cy="29241750"/>
           </a:xfrm>
         </p:spPr>
         <p:txBody>
           <a:bodyPr/>
           <a:lstStyle>
             <a:lvl1pPr>
-              <a:defRPr sz="3413"/>
+              <a:defRPr sz="6400"/>
             </a:lvl1pPr>
             <a:lvl2pPr>
-              <a:defRPr sz="2987"/>
+              <a:defRPr sz="5600"/>
             </a:lvl2pPr>
             <a:lvl3pPr>
-              <a:defRPr sz="2560"/>
+              <a:defRPr sz="4800"/>
             </a:lvl3pPr>
             <a:lvl4pPr>
-              <a:defRPr sz="2133"/>
+              <a:defRPr sz="4000"/>
             </a:lvl4pPr>
             <a:lvl5pPr>
-              <a:defRPr sz="2133"/>
+              <a:defRPr sz="4000"/>
             </a:lvl5pPr>
             <a:lvl6pPr>
-              <a:defRPr sz="2133"/>
+              <a:defRPr sz="4000"/>
             </a:lvl6pPr>
             <a:lvl7pPr>
-              <a:defRPr sz="2133"/>
+              <a:defRPr sz="4000"/>
             </a:lvl7pPr>
             <a:lvl8pPr>
-              <a:defRPr sz="2133"/>
+              <a:defRPr sz="4000"/>
             </a:lvl8pPr>
             <a:lvl9pPr>
-              <a:defRPr sz="2133"/>
+              <a:defRPr sz="4000"/>
             </a:lvl9pPr>
           </a:lstStyle>
           <a:p>
@@ -2028,8 +2026,8 @@
         </p:nvSpPr>
         <p:spPr>
           <a:xfrm>
-            <a:off x="1259683" y="2194560"/>
-            <a:ext cx="5898356" cy="4065694"/>
+            <a:off x="1259682" y="12344400"/>
+            <a:ext cx="5898356" cy="22869528"/>
           </a:xfrm>
         </p:spPr>
         <p:txBody>
@@ -2037,39 +2035,39 @@
           <a:lstStyle>
             <a:lvl1pPr marL="0" indent="0">
               <a:buNone/>
-              <a:defRPr sz="1707"/>
+              <a:defRPr sz="3200"/>
             </a:lvl1pPr>
-            <a:lvl2pPr marL="487695" indent="0">
-              <a:buNone/>
-              <a:defRPr sz="1493"/>
+            <a:lvl2pPr marL="914400" indent="0">
+              <a:buNone/>
+              <a:defRPr sz="2800"/>
             </a:lvl2pPr>
-            <a:lvl3pPr marL="975390" indent="0">
-              <a:buNone/>
-              <a:defRPr sz="1280"/>
+            <a:lvl3pPr marL="1828800" indent="0">
+              <a:buNone/>
+              <a:defRPr sz="2400"/>
             </a:lvl3pPr>
-            <a:lvl4pPr marL="1463086" indent="0">
-              <a:buNone/>
-              <a:defRPr sz="1067"/>
+            <a:lvl4pPr marL="2743200" indent="0">
+              <a:buNone/>
+              <a:defRPr sz="2000"/>
             </a:lvl4pPr>
-            <a:lvl5pPr marL="1950781" indent="0">
-              <a:buNone/>
-              <a:defRPr sz="1067"/>
+            <a:lvl5pPr marL="3657600" indent="0">
+              <a:buNone/>
+              <a:defRPr sz="2000"/>
             </a:lvl5pPr>
-            <a:lvl6pPr marL="2438476" indent="0">
-              <a:buNone/>
-              <a:defRPr sz="1067"/>
+            <a:lvl6pPr marL="4572000" indent="0">
+              <a:buNone/>
+              <a:defRPr sz="2000"/>
             </a:lvl6pPr>
-            <a:lvl7pPr marL="2926171" indent="0">
-              <a:buNone/>
-              <a:defRPr sz="1067"/>
+            <a:lvl7pPr marL="5486400" indent="0">
+              <a:buNone/>
+              <a:defRPr sz="2000"/>
             </a:lvl7pPr>
-            <a:lvl8pPr marL="3413867" indent="0">
-              <a:buNone/>
-              <a:defRPr sz="1067"/>
+            <a:lvl8pPr marL="6400800" indent="0">
+              <a:buNone/>
+              <a:defRPr sz="2000"/>
             </a:lvl8pPr>
-            <a:lvl9pPr marL="3901562" indent="0">
-              <a:buNone/>
-              <a:defRPr sz="1067"/>
+            <a:lvl9pPr marL="7315200" indent="0">
+              <a:buNone/>
+              <a:defRPr sz="2000"/>
             </a:lvl9pPr>
           </a:lstStyle>
           <a:p>
@@ -2098,7 +2096,7 @@
           <a:p>
             <a:fld id="{035210FE-A7F4-4FC4-834D-6C5A8730557C}" type="datetimeFigureOut">
               <a:rPr lang="en-US" smtClean="0"/>
-              <a:t>7/29/2021</a:t>
+              <a:t>9/19/2021</a:t>
             </a:fld>
             <a:endParaRPr lang="en-US"/>
           </a:p>
@@ -2149,7 +2147,7 @@
     </p:spTree>
     <p:extLst>
       <p:ext uri="{BB962C8B-B14F-4D97-AF65-F5344CB8AC3E}">
-        <p14:creationId xmlns:p14="http://schemas.microsoft.com/office/powerpoint/2010/main" val="3004106209"/>
+        <p14:creationId xmlns:p14="http://schemas.microsoft.com/office/powerpoint/2010/main" val="3823986061"/>
       </p:ext>
     </p:extLst>
   </p:cSld>
@@ -2188,15 +2186,15 @@
         </p:nvSpPr>
         <p:spPr>
           <a:xfrm>
-            <a:off x="1259683" y="487680"/>
-            <a:ext cx="5898356" cy="1706880"/>
+            <a:off x="1259682" y="2743200"/>
+            <a:ext cx="5898356" cy="9601200"/>
           </a:xfrm>
         </p:spPr>
         <p:txBody>
           <a:bodyPr anchor="b"/>
           <a:lstStyle>
             <a:lvl1pPr>
-              <a:defRPr sz="3413"/>
+              <a:defRPr sz="6400"/>
             </a:lvl1pPr>
           </a:lstStyle>
           <a:p>
@@ -2220,8 +2218,8 @@
         </p:nvSpPr>
         <p:spPr>
           <a:xfrm>
-            <a:off x="7774782" y="1053254"/>
-            <a:ext cx="9258300" cy="5198533"/>
+            <a:off x="7774782" y="5924559"/>
+            <a:ext cx="9258300" cy="29241750"/>
           </a:xfrm>
         </p:spPr>
         <p:txBody>
@@ -2229,39 +2227,39 @@
           <a:lstStyle>
             <a:lvl1pPr marL="0" indent="0">
               <a:buNone/>
-              <a:defRPr sz="3413"/>
+              <a:defRPr sz="6400"/>
             </a:lvl1pPr>
-            <a:lvl2pPr marL="487695" indent="0">
-              <a:buNone/>
-              <a:defRPr sz="2987"/>
+            <a:lvl2pPr marL="914400" indent="0">
+              <a:buNone/>
+              <a:defRPr sz="5600"/>
             </a:lvl2pPr>
-            <a:lvl3pPr marL="975390" indent="0">
-              <a:buNone/>
-              <a:defRPr sz="2560"/>
+            <a:lvl3pPr marL="1828800" indent="0">
+              <a:buNone/>
+              <a:defRPr sz="4800"/>
             </a:lvl3pPr>
-            <a:lvl4pPr marL="1463086" indent="0">
-              <a:buNone/>
-              <a:defRPr sz="2133"/>
+            <a:lvl4pPr marL="2743200" indent="0">
+              <a:buNone/>
+              <a:defRPr sz="4000"/>
             </a:lvl4pPr>
-            <a:lvl5pPr marL="1950781" indent="0">
-              <a:buNone/>
-              <a:defRPr sz="2133"/>
+            <a:lvl5pPr marL="3657600" indent="0">
+              <a:buNone/>
+              <a:defRPr sz="4000"/>
             </a:lvl5pPr>
-            <a:lvl6pPr marL="2438476" indent="0">
-              <a:buNone/>
-              <a:defRPr sz="2133"/>
+            <a:lvl6pPr marL="4572000" indent="0">
+              <a:buNone/>
+              <a:defRPr sz="4000"/>
             </a:lvl6pPr>
-            <a:lvl7pPr marL="2926171" indent="0">
-              <a:buNone/>
-              <a:defRPr sz="2133"/>
+            <a:lvl7pPr marL="5486400" indent="0">
+              <a:buNone/>
+              <a:defRPr sz="4000"/>
             </a:lvl7pPr>
-            <a:lvl8pPr marL="3413867" indent="0">
-              <a:buNone/>
-              <a:defRPr sz="2133"/>
+            <a:lvl8pPr marL="6400800" indent="0">
+              <a:buNone/>
+              <a:defRPr sz="4000"/>
             </a:lvl8pPr>
-            <a:lvl9pPr marL="3901562" indent="0">
-              <a:buNone/>
-              <a:defRPr sz="2133"/>
+            <a:lvl9pPr marL="7315200" indent="0">
+              <a:buNone/>
+              <a:defRPr sz="4000"/>
             </a:lvl9pPr>
           </a:lstStyle>
           <a:p>
@@ -2285,8 +2283,8 @@
         </p:nvSpPr>
         <p:spPr>
           <a:xfrm>
-            <a:off x="1259683" y="2194560"/>
-            <a:ext cx="5898356" cy="4065694"/>
+            <a:off x="1259682" y="12344400"/>
+            <a:ext cx="5898356" cy="22869528"/>
           </a:xfrm>
         </p:spPr>
         <p:txBody>
@@ -2294,39 +2292,39 @@
           <a:lstStyle>
             <a:lvl1pPr marL="0" indent="0">
               <a:buNone/>
-              <a:defRPr sz="1707"/>
+              <a:defRPr sz="3200"/>
             </a:lvl1pPr>
-            <a:lvl2pPr marL="487695" indent="0">
-              <a:buNone/>
-              <a:defRPr sz="1493"/>
+            <a:lvl2pPr marL="914400" indent="0">
+              <a:buNone/>
+              <a:defRPr sz="2800"/>
             </a:lvl2pPr>
-            <a:lvl3pPr marL="975390" indent="0">
-              <a:buNone/>
-              <a:defRPr sz="1280"/>
+            <a:lvl3pPr marL="1828800" indent="0">
+              <a:buNone/>
+              <a:defRPr sz="2400"/>
             </a:lvl3pPr>
-            <a:lvl4pPr marL="1463086" indent="0">
-              <a:buNone/>
-              <a:defRPr sz="1067"/>
+            <a:lvl4pPr marL="2743200" indent="0">
+              <a:buNone/>
+              <a:defRPr sz="2000"/>
             </a:lvl4pPr>
-            <a:lvl5pPr marL="1950781" indent="0">
-              <a:buNone/>
-              <a:defRPr sz="1067"/>
+            <a:lvl5pPr marL="3657600" indent="0">
+              <a:buNone/>
+              <a:defRPr sz="2000"/>
             </a:lvl5pPr>
-            <a:lvl6pPr marL="2438476" indent="0">
-              <a:buNone/>
-              <a:defRPr sz="1067"/>
+            <a:lvl6pPr marL="4572000" indent="0">
+              <a:buNone/>
+              <a:defRPr sz="2000"/>
             </a:lvl6pPr>
-            <a:lvl7pPr marL="2926171" indent="0">
-              <a:buNone/>
-              <a:defRPr sz="1067"/>
+            <a:lvl7pPr marL="5486400" indent="0">
+              <a:buNone/>
+              <a:defRPr sz="2000"/>
             </a:lvl7pPr>
-            <a:lvl8pPr marL="3413867" indent="0">
-              <a:buNone/>
-              <a:defRPr sz="1067"/>
+            <a:lvl8pPr marL="6400800" indent="0">
+              <a:buNone/>
+              <a:defRPr sz="2000"/>
             </a:lvl8pPr>
-            <a:lvl9pPr marL="3901562" indent="0">
-              <a:buNone/>
-              <a:defRPr sz="1067"/>
+            <a:lvl9pPr marL="7315200" indent="0">
+              <a:buNone/>
+              <a:defRPr sz="2000"/>
             </a:lvl9pPr>
           </a:lstStyle>
           <a:p>
@@ -2355,7 +2353,7 @@
           <a:p>
             <a:fld id="{035210FE-A7F4-4FC4-834D-6C5A8730557C}" type="datetimeFigureOut">
               <a:rPr lang="en-US" smtClean="0"/>
-              <a:t>7/29/2021</a:t>
+              <a:t>9/19/2021</a:t>
             </a:fld>
             <a:endParaRPr lang="en-US"/>
           </a:p>
@@ -2406,7 +2404,7 @@
     </p:spTree>
     <p:extLst>
       <p:ext uri="{BB962C8B-B14F-4D97-AF65-F5344CB8AC3E}">
-        <p14:creationId xmlns:p14="http://schemas.microsoft.com/office/powerpoint/2010/main" val="2908976522"/>
+        <p14:creationId xmlns:p14="http://schemas.microsoft.com/office/powerpoint/2010/main" val="2749610587"/>
       </p:ext>
     </p:extLst>
   </p:cSld>
@@ -2450,8 +2448,8 @@
         </p:nvSpPr>
         <p:spPr>
           <a:xfrm>
-            <a:off x="1257300" y="389467"/>
-            <a:ext cx="15773400" cy="1413934"/>
+            <a:off x="1257300" y="2190759"/>
+            <a:ext cx="15773400" cy="7953378"/>
           </a:xfrm>
           <a:prstGeom prst="rect">
             <a:avLst/>
@@ -2483,8 +2481,8 @@
         </p:nvSpPr>
         <p:spPr>
           <a:xfrm>
-            <a:off x="1257300" y="1947333"/>
-            <a:ext cx="15773400" cy="4641427"/>
+            <a:off x="1257300" y="10953750"/>
+            <a:ext cx="15773400" cy="26108028"/>
           </a:xfrm>
           <a:prstGeom prst="rect">
             <a:avLst/>
@@ -2545,8 +2543,8 @@
         </p:nvSpPr>
         <p:spPr>
           <a:xfrm>
-            <a:off x="1257300" y="6780107"/>
-            <a:ext cx="4114800" cy="389467"/>
+            <a:off x="1257300" y="38138109"/>
+            <a:ext cx="4114800" cy="2190750"/>
           </a:xfrm>
           <a:prstGeom prst="rect">
             <a:avLst/>
@@ -2556,7 +2554,7 @@
           <a:bodyPr vert="horz" lIns="91440" tIns="45720" rIns="91440" bIns="45720" rtlCol="0" anchor="ctr"/>
           <a:lstStyle>
             <a:lvl1pPr algn="l">
-              <a:defRPr sz="1280">
+              <a:defRPr sz="2400">
                 <a:solidFill>
                   <a:schemeClr val="tx1">
                     <a:tint val="75000"/>
@@ -2568,7 +2566,7 @@
           <a:p>
             <a:fld id="{035210FE-A7F4-4FC4-834D-6C5A8730557C}" type="datetimeFigureOut">
               <a:rPr lang="en-US" smtClean="0"/>
-              <a:t>7/29/2021</a:t>
+              <a:t>9/19/2021</a:t>
             </a:fld>
             <a:endParaRPr lang="en-US"/>
           </a:p>
@@ -2586,8 +2584,8 @@
         </p:nvSpPr>
         <p:spPr>
           <a:xfrm>
-            <a:off x="6057900" y="6780107"/>
-            <a:ext cx="6172200" cy="389467"/>
+            <a:off x="6057900" y="38138109"/>
+            <a:ext cx="6172200" cy="2190750"/>
           </a:xfrm>
           <a:prstGeom prst="rect">
             <a:avLst/>
@@ -2597,7 +2595,7 @@
           <a:bodyPr vert="horz" lIns="91440" tIns="45720" rIns="91440" bIns="45720" rtlCol="0" anchor="ctr"/>
           <a:lstStyle>
             <a:lvl1pPr algn="ctr">
-              <a:defRPr sz="1280">
+              <a:defRPr sz="2400">
                 <a:solidFill>
                   <a:schemeClr val="tx1">
                     <a:tint val="75000"/>
@@ -2623,8 +2621,8 @@
         </p:nvSpPr>
         <p:spPr>
           <a:xfrm>
-            <a:off x="12915900" y="6780107"/>
-            <a:ext cx="4114800" cy="389467"/>
+            <a:off x="12915900" y="38138109"/>
+            <a:ext cx="4114800" cy="2190750"/>
           </a:xfrm>
           <a:prstGeom prst="rect">
             <a:avLst/>
@@ -2634,7 +2632,7 @@
           <a:bodyPr vert="horz" lIns="91440" tIns="45720" rIns="91440" bIns="45720" rtlCol="0" anchor="ctr"/>
           <a:lstStyle>
             <a:lvl1pPr algn="r">
-              <a:defRPr sz="1280">
+              <a:defRPr sz="2400">
                 <a:solidFill>
                   <a:schemeClr val="tx1">
                     <a:tint val="75000"/>
@@ -2655,27 +2653,27 @@
     </p:spTree>
     <p:extLst>
       <p:ext uri="{BB962C8B-B14F-4D97-AF65-F5344CB8AC3E}">
-        <p14:creationId xmlns:p14="http://schemas.microsoft.com/office/powerpoint/2010/main" val="2857274419"/>
+        <p14:creationId xmlns:p14="http://schemas.microsoft.com/office/powerpoint/2010/main" val="1192683589"/>
       </p:ext>
     </p:extLst>
   </p:cSld>
   <p:clrMap bg1="lt1" tx1="dk1" bg2="lt2" tx2="dk2" accent1="accent1" accent2="accent2" accent3="accent3" accent4="accent4" accent5="accent5" accent6="accent6" hlink="hlink" folHlink="folHlink"/>
   <p:sldLayoutIdLst>
-    <p:sldLayoutId id="2147483709" r:id="rId1"/>
-    <p:sldLayoutId id="2147483710" r:id="rId2"/>
-    <p:sldLayoutId id="2147483711" r:id="rId3"/>
-    <p:sldLayoutId id="2147483712" r:id="rId4"/>
-    <p:sldLayoutId id="2147483713" r:id="rId5"/>
-    <p:sldLayoutId id="2147483714" r:id="rId6"/>
-    <p:sldLayoutId id="2147483715" r:id="rId7"/>
-    <p:sldLayoutId id="2147483716" r:id="rId8"/>
-    <p:sldLayoutId id="2147483717" r:id="rId9"/>
-    <p:sldLayoutId id="2147483718" r:id="rId10"/>
-    <p:sldLayoutId id="2147483719" r:id="rId11"/>
+    <p:sldLayoutId id="2147483745" r:id="rId1"/>
+    <p:sldLayoutId id="2147483746" r:id="rId2"/>
+    <p:sldLayoutId id="2147483747" r:id="rId3"/>
+    <p:sldLayoutId id="2147483748" r:id="rId4"/>
+    <p:sldLayoutId id="2147483749" r:id="rId5"/>
+    <p:sldLayoutId id="2147483750" r:id="rId6"/>
+    <p:sldLayoutId id="2147483751" r:id="rId7"/>
+    <p:sldLayoutId id="2147483752" r:id="rId8"/>
+    <p:sldLayoutId id="2147483753" r:id="rId9"/>
+    <p:sldLayoutId id="2147483754" r:id="rId10"/>
+    <p:sldLayoutId id="2147483755" r:id="rId11"/>
   </p:sldLayoutIdLst>
   <p:txStyles>
     <p:titleStyle>
-      <a:lvl1pPr algn="l" defTabSz="975390" rtl="0" eaLnBrk="1" latinLnBrk="0" hangingPunct="1">
+      <a:lvl1pPr algn="l" defTabSz="1828800" rtl="0" eaLnBrk="1" latinLnBrk="0" hangingPunct="1">
         <a:lnSpc>
           <a:spcPct val="90000"/>
         </a:lnSpc>
@@ -2683,7 +2681,7 @@
           <a:spcPct val="0"/>
         </a:spcBef>
         <a:buNone/>
-        <a:defRPr sz="4693" kern="1200">
+        <a:defRPr sz="8800" kern="1200">
           <a:solidFill>
             <a:schemeClr val="tx1"/>
           </a:solidFill>
@@ -2694,16 +2692,16 @@
       </a:lvl1pPr>
     </p:titleStyle>
     <p:bodyStyle>
-      <a:lvl1pPr marL="243848" indent="-243848" algn="l" defTabSz="975390" rtl="0" eaLnBrk="1" latinLnBrk="0" hangingPunct="1">
+      <a:lvl1pPr marL="457200" indent="-457200" algn="l" defTabSz="1828800" rtl="0" eaLnBrk="1" latinLnBrk="0" hangingPunct="1">
         <a:lnSpc>
           <a:spcPct val="90000"/>
         </a:lnSpc>
         <a:spcBef>
-          <a:spcPts val="1067"/>
+          <a:spcPts val="2000"/>
         </a:spcBef>
         <a:buFont typeface="Arial" panose="020B0604020202020204" pitchFamily="34" charset="0"/>
         <a:buChar char="•"/>
-        <a:defRPr sz="2987" kern="1200">
+        <a:defRPr sz="5600" kern="1200">
           <a:solidFill>
             <a:schemeClr val="tx1"/>
           </a:solidFill>
@@ -2712,16 +2710,16 @@
           <a:cs typeface="+mn-cs"/>
         </a:defRPr>
       </a:lvl1pPr>
-      <a:lvl2pPr marL="731543" indent="-243848" algn="l" defTabSz="975390" rtl="0" eaLnBrk="1" latinLnBrk="0" hangingPunct="1">
+      <a:lvl2pPr marL="1371600" indent="-457200" algn="l" defTabSz="1828800" rtl="0" eaLnBrk="1" latinLnBrk="0" hangingPunct="1">
         <a:lnSpc>
           <a:spcPct val="90000"/>
         </a:lnSpc>
         <a:spcBef>
-          <a:spcPts val="533"/>
+          <a:spcPts val="1000"/>
         </a:spcBef>
         <a:buFont typeface="Arial" panose="020B0604020202020204" pitchFamily="34" charset="0"/>
         <a:buChar char="•"/>
-        <a:defRPr sz="2560" kern="1200">
+        <a:defRPr sz="4800" kern="1200">
           <a:solidFill>
             <a:schemeClr val="tx1"/>
           </a:solidFill>
@@ -2730,16 +2728,16 @@
           <a:cs typeface="+mn-cs"/>
         </a:defRPr>
       </a:lvl2pPr>
-      <a:lvl3pPr marL="1219238" indent="-243848" algn="l" defTabSz="975390" rtl="0" eaLnBrk="1" latinLnBrk="0" hangingPunct="1">
+      <a:lvl3pPr marL="2286000" indent="-457200" algn="l" defTabSz="1828800" rtl="0" eaLnBrk="1" latinLnBrk="0" hangingPunct="1">
         <a:lnSpc>
           <a:spcPct val="90000"/>
         </a:lnSpc>
         <a:spcBef>
-          <a:spcPts val="533"/>
+          <a:spcPts val="1000"/>
         </a:spcBef>
         <a:buFont typeface="Arial" panose="020B0604020202020204" pitchFamily="34" charset="0"/>
         <a:buChar char="•"/>
-        <a:defRPr sz="2133" kern="1200">
+        <a:defRPr sz="4000" kern="1200">
           <a:solidFill>
             <a:schemeClr val="tx1"/>
           </a:solidFill>
@@ -2748,16 +2746,16 @@
           <a:cs typeface="+mn-cs"/>
         </a:defRPr>
       </a:lvl3pPr>
-      <a:lvl4pPr marL="1706933" indent="-243848" algn="l" defTabSz="975390" rtl="0" eaLnBrk="1" latinLnBrk="0" hangingPunct="1">
+      <a:lvl4pPr marL="3200400" indent="-457200" algn="l" defTabSz="1828800" rtl="0" eaLnBrk="1" latinLnBrk="0" hangingPunct="1">
         <a:lnSpc>
           <a:spcPct val="90000"/>
         </a:lnSpc>
         <a:spcBef>
-          <a:spcPts val="533"/>
+          <a:spcPts val="1000"/>
         </a:spcBef>
         <a:buFont typeface="Arial" panose="020B0604020202020204" pitchFamily="34" charset="0"/>
         <a:buChar char="•"/>
-        <a:defRPr sz="1920" kern="1200">
+        <a:defRPr sz="3600" kern="1200">
           <a:solidFill>
             <a:schemeClr val="tx1"/>
           </a:solidFill>
@@ -2766,16 +2764,16 @@
           <a:cs typeface="+mn-cs"/>
         </a:defRPr>
       </a:lvl4pPr>
-      <a:lvl5pPr marL="2194629" indent="-243848" algn="l" defTabSz="975390" rtl="0" eaLnBrk="1" latinLnBrk="0" hangingPunct="1">
+      <a:lvl5pPr marL="4114800" indent="-457200" algn="l" defTabSz="1828800" rtl="0" eaLnBrk="1" latinLnBrk="0" hangingPunct="1">
         <a:lnSpc>
           <a:spcPct val="90000"/>
         </a:lnSpc>
         <a:spcBef>
-          <a:spcPts val="533"/>
+          <a:spcPts val="1000"/>
         </a:spcBef>
         <a:buFont typeface="Arial" panose="020B0604020202020204" pitchFamily="34" charset="0"/>
         <a:buChar char="•"/>
-        <a:defRPr sz="1920" kern="1200">
+        <a:defRPr sz="3600" kern="1200">
           <a:solidFill>
             <a:schemeClr val="tx1"/>
           </a:solidFill>
@@ -2784,16 +2782,16 @@
           <a:cs typeface="+mn-cs"/>
         </a:defRPr>
       </a:lvl5pPr>
-      <a:lvl6pPr marL="2682324" indent="-243848" algn="l" defTabSz="975390" rtl="0" eaLnBrk="1" latinLnBrk="0" hangingPunct="1">
+      <a:lvl6pPr marL="5029200" indent="-457200" algn="l" defTabSz="1828800" rtl="0" eaLnBrk="1" latinLnBrk="0" hangingPunct="1">
         <a:lnSpc>
           <a:spcPct val="90000"/>
         </a:lnSpc>
         <a:spcBef>
-          <a:spcPts val="533"/>
+          <a:spcPts val="1000"/>
         </a:spcBef>
         <a:buFont typeface="Arial" panose="020B0604020202020204" pitchFamily="34" charset="0"/>
         <a:buChar char="•"/>
-        <a:defRPr sz="1920" kern="1200">
+        <a:defRPr sz="3600" kern="1200">
           <a:solidFill>
             <a:schemeClr val="tx1"/>
           </a:solidFill>
@@ -2802,16 +2800,16 @@
           <a:cs typeface="+mn-cs"/>
         </a:defRPr>
       </a:lvl6pPr>
-      <a:lvl7pPr marL="3170019" indent="-243848" algn="l" defTabSz="975390" rtl="0" eaLnBrk="1" latinLnBrk="0" hangingPunct="1">
+      <a:lvl7pPr marL="5943600" indent="-457200" algn="l" defTabSz="1828800" rtl="0" eaLnBrk="1" latinLnBrk="0" hangingPunct="1">
         <a:lnSpc>
           <a:spcPct val="90000"/>
         </a:lnSpc>
         <a:spcBef>
-          <a:spcPts val="533"/>
+          <a:spcPts val="1000"/>
         </a:spcBef>
         <a:buFont typeface="Arial" panose="020B0604020202020204" pitchFamily="34" charset="0"/>
         <a:buChar char="•"/>
-        <a:defRPr sz="1920" kern="1200">
+        <a:defRPr sz="3600" kern="1200">
           <a:solidFill>
             <a:schemeClr val="tx1"/>
           </a:solidFill>
@@ -2820,16 +2818,16 @@
           <a:cs typeface="+mn-cs"/>
         </a:defRPr>
       </a:lvl7pPr>
-      <a:lvl8pPr marL="3657714" indent="-243848" algn="l" defTabSz="975390" rtl="0" eaLnBrk="1" latinLnBrk="0" hangingPunct="1">
+      <a:lvl8pPr marL="6858000" indent="-457200" algn="l" defTabSz="1828800" rtl="0" eaLnBrk="1" latinLnBrk="0" hangingPunct="1">
         <a:lnSpc>
           <a:spcPct val="90000"/>
         </a:lnSpc>
         <a:spcBef>
-          <a:spcPts val="533"/>
+          <a:spcPts val="1000"/>
         </a:spcBef>
         <a:buFont typeface="Arial" panose="020B0604020202020204" pitchFamily="34" charset="0"/>
         <a:buChar char="•"/>
-        <a:defRPr sz="1920" kern="1200">
+        <a:defRPr sz="3600" kern="1200">
           <a:solidFill>
             <a:schemeClr val="tx1"/>
           </a:solidFill>
@@ -2838,16 +2836,16 @@
           <a:cs typeface="+mn-cs"/>
         </a:defRPr>
       </a:lvl8pPr>
-      <a:lvl9pPr marL="4145410" indent="-243848" algn="l" defTabSz="975390" rtl="0" eaLnBrk="1" latinLnBrk="0" hangingPunct="1">
+      <a:lvl9pPr marL="7772400" indent="-457200" algn="l" defTabSz="1828800" rtl="0" eaLnBrk="1" latinLnBrk="0" hangingPunct="1">
         <a:lnSpc>
           <a:spcPct val="90000"/>
         </a:lnSpc>
         <a:spcBef>
-          <a:spcPts val="533"/>
+          <a:spcPts val="1000"/>
         </a:spcBef>
         <a:buFont typeface="Arial" panose="020B0604020202020204" pitchFamily="34" charset="0"/>
         <a:buChar char="•"/>
-        <a:defRPr sz="1920" kern="1200">
+        <a:defRPr sz="3600" kern="1200">
           <a:solidFill>
             <a:schemeClr val="tx1"/>
           </a:solidFill>
@@ -2861,8 +2859,8 @@
       <a:defPPr>
         <a:defRPr lang="en-US"/>
       </a:defPPr>
-      <a:lvl1pPr marL="0" algn="l" defTabSz="975390" rtl="0" eaLnBrk="1" latinLnBrk="0" hangingPunct="1">
-        <a:defRPr sz="1920" kern="1200">
+      <a:lvl1pPr marL="0" algn="l" defTabSz="1828800" rtl="0" eaLnBrk="1" latinLnBrk="0" hangingPunct="1">
+        <a:defRPr sz="3600" kern="1200">
           <a:solidFill>
             <a:schemeClr val="tx1"/>
           </a:solidFill>
@@ -2871,8 +2869,8 @@
           <a:cs typeface="+mn-cs"/>
         </a:defRPr>
       </a:lvl1pPr>
-      <a:lvl2pPr marL="487695" algn="l" defTabSz="975390" rtl="0" eaLnBrk="1" latinLnBrk="0" hangingPunct="1">
-        <a:defRPr sz="1920" kern="1200">
+      <a:lvl2pPr marL="914400" algn="l" defTabSz="1828800" rtl="0" eaLnBrk="1" latinLnBrk="0" hangingPunct="1">
+        <a:defRPr sz="3600" kern="1200">
           <a:solidFill>
             <a:schemeClr val="tx1"/>
           </a:solidFill>
@@ -2881,8 +2879,8 @@
           <a:cs typeface="+mn-cs"/>
         </a:defRPr>
       </a:lvl2pPr>
-      <a:lvl3pPr marL="975390" algn="l" defTabSz="975390" rtl="0" eaLnBrk="1" latinLnBrk="0" hangingPunct="1">
-        <a:defRPr sz="1920" kern="1200">
+      <a:lvl3pPr marL="1828800" algn="l" defTabSz="1828800" rtl="0" eaLnBrk="1" latinLnBrk="0" hangingPunct="1">
+        <a:defRPr sz="3600" kern="1200">
           <a:solidFill>
             <a:schemeClr val="tx1"/>
           </a:solidFill>
@@ -2891,8 +2889,8 @@
           <a:cs typeface="+mn-cs"/>
         </a:defRPr>
       </a:lvl3pPr>
-      <a:lvl4pPr marL="1463086" algn="l" defTabSz="975390" rtl="0" eaLnBrk="1" latinLnBrk="0" hangingPunct="1">
-        <a:defRPr sz="1920" kern="1200">
+      <a:lvl4pPr marL="2743200" algn="l" defTabSz="1828800" rtl="0" eaLnBrk="1" latinLnBrk="0" hangingPunct="1">
+        <a:defRPr sz="3600" kern="1200">
           <a:solidFill>
             <a:schemeClr val="tx1"/>
           </a:solidFill>
@@ -2901,8 +2899,8 @@
           <a:cs typeface="+mn-cs"/>
         </a:defRPr>
       </a:lvl4pPr>
-      <a:lvl5pPr marL="1950781" algn="l" defTabSz="975390" rtl="0" eaLnBrk="1" latinLnBrk="0" hangingPunct="1">
-        <a:defRPr sz="1920" kern="1200">
+      <a:lvl5pPr marL="3657600" algn="l" defTabSz="1828800" rtl="0" eaLnBrk="1" latinLnBrk="0" hangingPunct="1">
+        <a:defRPr sz="3600" kern="1200">
           <a:solidFill>
             <a:schemeClr val="tx1"/>
           </a:solidFill>
@@ -2911,8 +2909,8 @@
           <a:cs typeface="+mn-cs"/>
         </a:defRPr>
       </a:lvl5pPr>
-      <a:lvl6pPr marL="2438476" algn="l" defTabSz="975390" rtl="0" eaLnBrk="1" latinLnBrk="0" hangingPunct="1">
-        <a:defRPr sz="1920" kern="1200">
+      <a:lvl6pPr marL="4572000" algn="l" defTabSz="1828800" rtl="0" eaLnBrk="1" latinLnBrk="0" hangingPunct="1">
+        <a:defRPr sz="3600" kern="1200">
           <a:solidFill>
             <a:schemeClr val="tx1"/>
           </a:solidFill>
@@ -2921,8 +2919,8 @@
           <a:cs typeface="+mn-cs"/>
         </a:defRPr>
       </a:lvl6pPr>
-      <a:lvl7pPr marL="2926171" algn="l" defTabSz="975390" rtl="0" eaLnBrk="1" latinLnBrk="0" hangingPunct="1">
-        <a:defRPr sz="1920" kern="1200">
+      <a:lvl7pPr marL="5486400" algn="l" defTabSz="1828800" rtl="0" eaLnBrk="1" latinLnBrk="0" hangingPunct="1">
+        <a:defRPr sz="3600" kern="1200">
           <a:solidFill>
             <a:schemeClr val="tx1"/>
           </a:solidFill>
@@ -2931,8 +2929,8 @@
           <a:cs typeface="+mn-cs"/>
         </a:defRPr>
       </a:lvl7pPr>
-      <a:lvl8pPr marL="3413867" algn="l" defTabSz="975390" rtl="0" eaLnBrk="1" latinLnBrk="0" hangingPunct="1">
-        <a:defRPr sz="1920" kern="1200">
+      <a:lvl8pPr marL="6400800" algn="l" defTabSz="1828800" rtl="0" eaLnBrk="1" latinLnBrk="0" hangingPunct="1">
+        <a:defRPr sz="3600" kern="1200">
           <a:solidFill>
             <a:schemeClr val="tx1"/>
           </a:solidFill>
@@ -2941,8 +2939,8 @@
           <a:cs typeface="+mn-cs"/>
         </a:defRPr>
       </a:lvl8pPr>
-      <a:lvl9pPr marL="3901562" algn="l" defTabSz="975390" rtl="0" eaLnBrk="1" latinLnBrk="0" hangingPunct="1">
-        <a:defRPr sz="1920" kern="1200">
+      <a:lvl9pPr marL="7315200" algn="l" defTabSz="1828800" rtl="0" eaLnBrk="1" latinLnBrk="0" hangingPunct="1">
+        <a:defRPr sz="3600" kern="1200">
           <a:solidFill>
             <a:schemeClr val="tx1"/>
           </a:solidFill>
@@ -2975,10 +2973,10 @@
       </p:grpSpPr>
       <p:pic>
         <p:nvPicPr>
-          <p:cNvPr id="2" name="Picture 2">
+          <p:cNvPr id="8" name="Picture 4">
             <a:extLst>
               <a:ext uri="{FF2B5EF4-FFF2-40B4-BE49-F238E27FC236}">
-                <a16:creationId xmlns:a16="http://schemas.microsoft.com/office/drawing/2014/main" id="{E3A4A1F0-39D1-4AF3-BB16-3B67AE2FEE19}"/>
+                <a16:creationId xmlns:a16="http://schemas.microsoft.com/office/drawing/2014/main" id="{16F5500D-0728-4B54-A957-0704052221B0}"/>
               </a:ext>
             </a:extLst>
           </p:cNvPr>
@@ -2995,13 +2993,13 @@
               </a:ext>
             </a:extLst>
           </a:blip>
-          <a:srcRect b="47583"/>
+          <a:srcRect t="53159"/>
           <a:stretch/>
         </p:blipFill>
         <p:spPr bwMode="auto">
           <a:xfrm>
-            <a:off x="2" y="217812"/>
-            <a:ext cx="9177459" cy="3607953"/>
+            <a:off x="351003" y="32782268"/>
+            <a:ext cx="17936997" cy="8689746"/>
           </a:xfrm>
           <a:prstGeom prst="rect">
             <a:avLst/>
@@ -3018,57 +3016,846 @@
           </a:extLst>
         </p:spPr>
       </p:pic>
-      <p:pic>
-        <p:nvPicPr>
-          <p:cNvPr id="3" name="Picture 4">
+      <p:grpSp>
+        <p:nvGrpSpPr>
+          <p:cNvPr id="41" name="Group 40">
             <a:extLst>
               <a:ext uri="{FF2B5EF4-FFF2-40B4-BE49-F238E27FC236}">
-                <a16:creationId xmlns:a16="http://schemas.microsoft.com/office/drawing/2014/main" id="{7F2820E6-0958-4650-8EF4-E0AC03188513}"/>
+                <a16:creationId xmlns:a16="http://schemas.microsoft.com/office/drawing/2014/main" id="{33EC67E8-C522-4579-8EFF-C8179CF788C5}"/>
               </a:ext>
             </a:extLst>
           </p:cNvPr>
-          <p:cNvPicPr>
-            <a:picLocks noChangeAspect="1" noChangeArrowheads="1"/>
-          </p:cNvPicPr>
+          <p:cNvGrpSpPr/>
           <p:nvPr/>
-        </p:nvPicPr>
-        <p:blipFill rotWithShape="1">
-          <a:blip r:embed="rId3">
+        </p:nvGrpSpPr>
+        <p:grpSpPr>
+          <a:xfrm>
+            <a:off x="0" y="959435"/>
+            <a:ext cx="18293487" cy="30427281"/>
+            <a:chOff x="42678" y="94568"/>
+            <a:chExt cx="18293487" cy="30427281"/>
+          </a:xfrm>
+        </p:grpSpPr>
+        <p:pic>
+          <p:nvPicPr>
+            <p:cNvPr id="3" name="Picture 4">
+              <a:extLst>
+                <a:ext uri="{FF2B5EF4-FFF2-40B4-BE49-F238E27FC236}">
+                  <a16:creationId xmlns:a16="http://schemas.microsoft.com/office/drawing/2014/main" id="{7F2820E6-0958-4650-8EF4-E0AC03188513}"/>
+                </a:ext>
+              </a:extLst>
+            </p:cNvPr>
+            <p:cNvPicPr>
+              <a:picLocks noChangeAspect="1" noChangeArrowheads="1"/>
+            </p:cNvPicPr>
+            <p:nvPr/>
+          </p:nvPicPr>
+          <p:blipFill rotWithShape="1">
+            <a:blip r:embed="rId2">
+              <a:extLst>
+                <a:ext uri="{28A0092B-C50C-407E-A947-70E740481C1C}">
+                  <a14:useLocalDpi xmlns:a14="http://schemas.microsoft.com/office/drawing/2010/main" val="0"/>
+                </a:ext>
+              </a:extLst>
+            </a:blip>
+            <a:srcRect b="48199"/>
+            <a:stretch/>
+          </p:blipFill>
+          <p:spPr bwMode="auto">
+            <a:xfrm>
+              <a:off x="218880" y="9197515"/>
+              <a:ext cx="18117285" cy="9405062"/>
+            </a:xfrm>
+            <a:prstGeom prst="rect">
+              <a:avLst/>
+            </a:prstGeom>
+            <a:noFill/>
             <a:extLst>
-              <a:ext uri="{28A0092B-C50C-407E-A947-70E740481C1C}">
-                <a14:useLocalDpi xmlns:a14="http://schemas.microsoft.com/office/drawing/2010/main" val="0"/>
+              <a:ext uri="{909E8E84-426E-40DD-AFC4-6F175D3DCCD1}">
+                <a14:hiddenFill xmlns:a14="http://schemas.microsoft.com/office/drawing/2010/main">
+                  <a:solidFill>
+                    <a:srgbClr val="FFFFFF"/>
+                  </a:solidFill>
+                </a14:hiddenFill>
               </a:ext>
             </a:extLst>
-          </a:blip>
-          <a:srcRect b="48199"/>
-          <a:stretch/>
-        </p:blipFill>
-        <p:spPr bwMode="auto">
-          <a:xfrm>
-            <a:off x="9366039" y="294013"/>
-            <a:ext cx="8921963" cy="3466205"/>
-          </a:xfrm>
-          <a:prstGeom prst="rect">
-            <a:avLst/>
-          </a:prstGeom>
-          <a:noFill/>
-          <a:extLst>
-            <a:ext uri="{909E8E84-426E-40DD-AFC4-6F175D3DCCD1}">
-              <a14:hiddenFill xmlns:a14="http://schemas.microsoft.com/office/drawing/2010/main">
-                <a:solidFill>
-                  <a:srgbClr val="FFFFFF"/>
-                </a:solidFill>
-              </a14:hiddenFill>
-            </a:ext>
-          </a:extLst>
-        </p:spPr>
-      </p:pic>
-      <p:sp>
-        <p:nvSpPr>
-          <p:cNvPr id="6" name="TextBox 5">
+          </p:spPr>
+        </p:pic>
+        <p:grpSp>
+          <p:nvGrpSpPr>
+            <p:cNvPr id="22" name="Group 21">
+              <a:extLst>
+                <a:ext uri="{FF2B5EF4-FFF2-40B4-BE49-F238E27FC236}">
+                  <a16:creationId xmlns:a16="http://schemas.microsoft.com/office/drawing/2014/main" id="{010F0192-5405-467A-A851-AD628EFDDB41}"/>
+                </a:ext>
+              </a:extLst>
+            </p:cNvPr>
+            <p:cNvGrpSpPr/>
+            <p:nvPr/>
+          </p:nvGrpSpPr>
+          <p:grpSpPr>
+            <a:xfrm>
+              <a:off x="156840" y="94568"/>
+              <a:ext cx="17689875" cy="9060141"/>
+              <a:chOff x="-9460640" y="208921"/>
+              <a:chExt cx="18671563" cy="7544791"/>
+            </a:xfrm>
+          </p:grpSpPr>
+          <p:grpSp>
+            <p:nvGrpSpPr>
+              <p:cNvPr id="9" name="Group 8">
+                <a:extLst>
+                  <a:ext uri="{FF2B5EF4-FFF2-40B4-BE49-F238E27FC236}">
+                    <a16:creationId xmlns:a16="http://schemas.microsoft.com/office/drawing/2014/main" id="{43354B10-4CCE-4469-AEC4-496E524326E2}"/>
+                  </a:ext>
+                </a:extLst>
+              </p:cNvPr>
+              <p:cNvGrpSpPr/>
+              <p:nvPr/>
+            </p:nvGrpSpPr>
+            <p:grpSpPr>
+              <a:xfrm>
+                <a:off x="-9460640" y="208921"/>
+                <a:ext cx="18671563" cy="7442610"/>
+                <a:chOff x="-9460640" y="208921"/>
+                <a:chExt cx="18671563" cy="7442610"/>
+              </a:xfrm>
+            </p:grpSpPr>
+            <p:pic>
+              <p:nvPicPr>
+                <p:cNvPr id="2" name="Picture 2">
+                  <a:extLst>
+                    <a:ext uri="{FF2B5EF4-FFF2-40B4-BE49-F238E27FC236}">
+                      <a16:creationId xmlns:a16="http://schemas.microsoft.com/office/drawing/2014/main" id="{E3A4A1F0-39D1-4AF3-BB16-3B67AE2FEE19}"/>
+                    </a:ext>
+                  </a:extLst>
+                </p:cNvPr>
+                <p:cNvPicPr>
+                  <a:picLocks noChangeAspect="1" noChangeArrowheads="1"/>
+                </p:cNvPicPr>
+                <p:nvPr/>
+              </p:nvPicPr>
+              <p:blipFill rotWithShape="1">
+                <a:blip r:embed="rId3">
+                  <a:extLst>
+                    <a:ext uri="{28A0092B-C50C-407E-A947-70E740481C1C}">
+                      <a14:useLocalDpi xmlns:a14="http://schemas.microsoft.com/office/drawing/2010/main" val="0"/>
+                    </a:ext>
+                  </a:extLst>
+                </a:blip>
+                <a:srcRect b="47583"/>
+                <a:stretch/>
+              </p:blipFill>
+              <p:spPr bwMode="auto">
+                <a:xfrm>
+                  <a:off x="-9143995" y="435625"/>
+                  <a:ext cx="18354918" cy="7215906"/>
+                </a:xfrm>
+                <a:prstGeom prst="rect">
+                  <a:avLst/>
+                </a:prstGeom>
+                <a:noFill/>
+                <a:extLst>
+                  <a:ext uri="{909E8E84-426E-40DD-AFC4-6F175D3DCCD1}">
+                    <a14:hiddenFill xmlns:a14="http://schemas.microsoft.com/office/drawing/2010/main">
+                      <a:solidFill>
+                        <a:srgbClr val="FFFFFF"/>
+                      </a:solidFill>
+                    </a14:hiddenFill>
+                  </a:ext>
+                </a:extLst>
+              </p:spPr>
+            </p:pic>
+            <p:sp>
+              <p:nvSpPr>
+                <p:cNvPr id="4" name="TextBox 3">
+                  <a:extLst>
+                    <a:ext uri="{FF2B5EF4-FFF2-40B4-BE49-F238E27FC236}">
+                      <a16:creationId xmlns:a16="http://schemas.microsoft.com/office/drawing/2014/main" id="{AB10D614-C5B3-4D25-855A-37059E7883CF}"/>
+                    </a:ext>
+                  </a:extLst>
+                </p:cNvPr>
+                <p:cNvSpPr txBox="1"/>
+                <p:nvPr/>
+              </p:nvSpPr>
+              <p:spPr>
+                <a:xfrm>
+                  <a:off x="-9460640" y="208921"/>
+                  <a:ext cx="3985846" cy="922679"/>
+                </a:xfrm>
+                <a:prstGeom prst="rect">
+                  <a:avLst/>
+                </a:prstGeom>
+                <a:noFill/>
+              </p:spPr>
+              <p:txBody>
+                <a:bodyPr wrap="square" rtlCol="0">
+                  <a:spAutoFit/>
+                </a:bodyPr>
+                <a:lstStyle/>
+                <a:p>
+                  <a:r>
+                    <a:rPr lang="en-US" sz="6600" b="1" dirty="0">
+                      <a:latin typeface="Times New Roman" panose="02020603050405020304" pitchFamily="18" charset="0"/>
+                      <a:cs typeface="Times New Roman" panose="02020603050405020304" pitchFamily="18" charset="0"/>
+                    </a:rPr>
+                    <a:t>A</a:t>
+                  </a:r>
+                </a:p>
+              </p:txBody>
+            </p:sp>
+          </p:grpSp>
+          <p:sp>
+            <p:nvSpPr>
+              <p:cNvPr id="13" name="TextBox 12">
+                <a:extLst>
+                  <a:ext uri="{FF2B5EF4-FFF2-40B4-BE49-F238E27FC236}">
+                    <a16:creationId xmlns:a16="http://schemas.microsoft.com/office/drawing/2014/main" id="{3A4A0E91-9530-4E9E-BFE5-7811E8DF3290}"/>
+                  </a:ext>
+                </a:extLst>
+              </p:cNvPr>
+              <p:cNvSpPr txBox="1"/>
+              <p:nvPr/>
+            </p:nvSpPr>
+            <p:spPr>
+              <a:xfrm>
+                <a:off x="-1450433" y="7164223"/>
+                <a:ext cx="3670133" cy="589489"/>
+              </a:xfrm>
+              <a:prstGeom prst="rect">
+                <a:avLst/>
+              </a:prstGeom>
+              <a:solidFill>
+                <a:schemeClr val="bg1"/>
+              </a:solidFill>
+            </p:spPr>
+            <p:txBody>
+              <a:bodyPr wrap="none" rtlCol="0">
+                <a:spAutoFit/>
+              </a:bodyPr>
+              <a:lstStyle/>
+              <a:p>
+                <a:r>
+                  <a:rPr lang="en-US" sz="4000" dirty="0">
+                    <a:latin typeface="Times New Roman" panose="02020603050405020304" pitchFamily="18" charset="0"/>
+                    <a:cs typeface="Times New Roman" panose="02020603050405020304" pitchFamily="18" charset="0"/>
+                  </a:rPr>
+                  <a:t>Saturation Time</a:t>
+                </a:r>
+              </a:p>
+            </p:txBody>
+          </p:sp>
+          <p:sp>
+            <p:nvSpPr>
+              <p:cNvPr id="17" name="TextBox 16">
+                <a:extLst>
+                  <a:ext uri="{FF2B5EF4-FFF2-40B4-BE49-F238E27FC236}">
+                    <a16:creationId xmlns:a16="http://schemas.microsoft.com/office/drawing/2014/main" id="{9EE4ECFD-B6C1-47D9-976E-CDE13A796D39}"/>
+                  </a:ext>
+                </a:extLst>
+              </p:cNvPr>
+              <p:cNvSpPr txBox="1"/>
+              <p:nvPr/>
+            </p:nvSpPr>
+            <p:spPr>
+              <a:xfrm rot="16200000">
+                <a:off x="-9753279" y="3655010"/>
+                <a:ext cx="1957221" cy="747170"/>
+              </a:xfrm>
+              <a:prstGeom prst="rect">
+                <a:avLst/>
+              </a:prstGeom>
+              <a:solidFill>
+                <a:schemeClr val="bg1"/>
+              </a:solidFill>
+            </p:spPr>
+            <p:txBody>
+              <a:bodyPr wrap="none" rtlCol="0">
+                <a:spAutoFit/>
+              </a:bodyPr>
+              <a:lstStyle/>
+              <a:p>
+                <a:r>
+                  <a:rPr lang="en-US" sz="4000" dirty="0">
+                    <a:latin typeface="Times New Roman" panose="02020603050405020304" pitchFamily="18" charset="0"/>
+                    <a:cs typeface="Times New Roman" panose="02020603050405020304" pitchFamily="18" charset="0"/>
+                  </a:rPr>
+                  <a:t>Frequency</a:t>
+                </a:r>
+              </a:p>
+            </p:txBody>
+          </p:sp>
+        </p:grpSp>
+        <p:pic>
+          <p:nvPicPr>
+            <p:cNvPr id="7" name="Picture 2">
+              <a:extLst>
+                <a:ext uri="{FF2B5EF4-FFF2-40B4-BE49-F238E27FC236}">
+                  <a16:creationId xmlns:a16="http://schemas.microsoft.com/office/drawing/2014/main" id="{078651FD-2D69-4BBA-BA2A-D94FB0727C98}"/>
+                </a:ext>
+              </a:extLst>
+            </p:cNvPr>
+            <p:cNvPicPr>
+              <a:picLocks noChangeAspect="1" noChangeArrowheads="1"/>
+            </p:cNvPicPr>
+            <p:nvPr/>
+          </p:nvPicPr>
+          <p:blipFill rotWithShape="1">
+            <a:blip r:embed="rId3">
+              <a:extLst>
+                <a:ext uri="{28A0092B-C50C-407E-A947-70E740481C1C}">
+                  <a14:useLocalDpi xmlns:a14="http://schemas.microsoft.com/office/drawing/2010/main" val="0"/>
+                </a:ext>
+              </a:extLst>
+            </a:blip>
+            <a:srcRect t="53085"/>
+            <a:stretch/>
+          </p:blipFill>
+          <p:spPr bwMode="auto">
+            <a:xfrm>
+              <a:off x="42678" y="20033498"/>
+              <a:ext cx="18202642" cy="10488351"/>
+            </a:xfrm>
+            <a:prstGeom prst="rect">
+              <a:avLst/>
+            </a:prstGeom>
+            <a:noFill/>
+            <a:extLst>
+              <a:ext uri="{909E8E84-426E-40DD-AFC4-6F175D3DCCD1}">
+                <a14:hiddenFill xmlns:a14="http://schemas.microsoft.com/office/drawing/2010/main">
+                  <a:solidFill>
+                    <a:srgbClr val="FFFFFF"/>
+                  </a:solidFill>
+                </a14:hiddenFill>
+              </a:ext>
+            </a:extLst>
+          </p:spPr>
+        </p:pic>
+        <p:sp>
+          <p:nvSpPr>
+            <p:cNvPr id="28" name="TextBox 27">
+              <a:extLst>
+                <a:ext uri="{FF2B5EF4-FFF2-40B4-BE49-F238E27FC236}">
+                  <a16:creationId xmlns:a16="http://schemas.microsoft.com/office/drawing/2014/main" id="{A22711B9-C03F-4F9C-9F61-52D2BE95578E}"/>
+                </a:ext>
+              </a:extLst>
+            </p:cNvPr>
+            <p:cNvSpPr txBox="1"/>
+            <p:nvPr/>
+          </p:nvSpPr>
+          <p:spPr>
+            <a:xfrm>
+              <a:off x="4145264" y="398525"/>
+              <a:ext cx="9862700" cy="1015663"/>
+            </a:xfrm>
+            <a:prstGeom prst="rect">
+              <a:avLst/>
+            </a:prstGeom>
+            <a:solidFill>
+              <a:schemeClr val="bg1"/>
+            </a:solidFill>
+          </p:spPr>
+          <p:txBody>
+            <a:bodyPr wrap="none" rtlCol="0">
+              <a:spAutoFit/>
+            </a:bodyPr>
+            <a:lstStyle/>
+            <a:p>
+              <a:r>
+                <a:rPr lang="en-US" sz="6000" dirty="0">
+                  <a:latin typeface="Times New Roman" panose="02020603050405020304" pitchFamily="18" charset="0"/>
+                  <a:cs typeface="Times New Roman" panose="02020603050405020304" pitchFamily="18" charset="0"/>
+                </a:rPr>
+                <a:t>Distribution of Saturation Time</a:t>
+              </a:r>
+            </a:p>
+          </p:txBody>
+        </p:sp>
+        <p:sp>
+          <p:nvSpPr>
+            <p:cNvPr id="29" name="TextBox 28">
+              <a:extLst>
+                <a:ext uri="{FF2B5EF4-FFF2-40B4-BE49-F238E27FC236}">
+                  <a16:creationId xmlns:a16="http://schemas.microsoft.com/office/drawing/2014/main" id="{8A24B531-F940-4EA9-A0F5-688BABD2572D}"/>
+                </a:ext>
+              </a:extLst>
+            </p:cNvPr>
+            <p:cNvSpPr txBox="1"/>
+            <p:nvPr/>
+          </p:nvSpPr>
+          <p:spPr>
+            <a:xfrm rot="16200000">
+              <a:off x="-781559" y="13546103"/>
+              <a:ext cx="2624082" cy="707886"/>
+            </a:xfrm>
+            <a:prstGeom prst="rect">
+              <a:avLst/>
+            </a:prstGeom>
+            <a:solidFill>
+              <a:schemeClr val="bg1"/>
+            </a:solidFill>
+          </p:spPr>
+          <p:txBody>
+            <a:bodyPr wrap="square" rtlCol="0">
+              <a:spAutoFit/>
+            </a:bodyPr>
+            <a:lstStyle/>
+            <a:p>
+              <a:r>
+                <a:rPr lang="en-US" sz="4000" dirty="0">
+                  <a:latin typeface="Times New Roman" panose="02020603050405020304" pitchFamily="18" charset="0"/>
+                  <a:cs typeface="Times New Roman" panose="02020603050405020304" pitchFamily="18" charset="0"/>
+                </a:rPr>
+                <a:t>Frequency</a:t>
+              </a:r>
+            </a:p>
+          </p:txBody>
+        </p:sp>
+        <p:sp>
+          <p:nvSpPr>
+            <p:cNvPr id="30" name="TextBox 29">
+              <a:extLst>
+                <a:ext uri="{FF2B5EF4-FFF2-40B4-BE49-F238E27FC236}">
+                  <a16:creationId xmlns:a16="http://schemas.microsoft.com/office/drawing/2014/main" id="{FC1BAD23-D149-4DA9-944B-F6D62E9293CA}"/>
+                </a:ext>
+              </a:extLst>
+            </p:cNvPr>
+            <p:cNvSpPr txBox="1"/>
+            <p:nvPr/>
+          </p:nvSpPr>
+          <p:spPr>
+            <a:xfrm>
+              <a:off x="8651561" y="18147109"/>
+              <a:ext cx="1665841" cy="707886"/>
+            </a:xfrm>
+            <a:prstGeom prst="rect">
+              <a:avLst/>
+            </a:prstGeom>
+            <a:solidFill>
+              <a:schemeClr val="bg1"/>
+            </a:solidFill>
+          </p:spPr>
+          <p:txBody>
+            <a:bodyPr wrap="none" rtlCol="0">
+              <a:spAutoFit/>
+            </a:bodyPr>
+            <a:lstStyle/>
+            <a:p>
+              <a:r>
+                <a:rPr lang="en-US" sz="4000" dirty="0">
+                  <a:latin typeface="Times New Roman" panose="02020603050405020304" pitchFamily="18" charset="0"/>
+                  <a:cs typeface="Times New Roman" panose="02020603050405020304" pitchFamily="18" charset="0"/>
+                </a:rPr>
+                <a:t>Degree</a:t>
+              </a:r>
+            </a:p>
+          </p:txBody>
+        </p:sp>
+        <p:sp>
+          <p:nvSpPr>
+            <p:cNvPr id="31" name="TextBox 30">
+              <a:extLst>
+                <a:ext uri="{FF2B5EF4-FFF2-40B4-BE49-F238E27FC236}">
+                  <a16:creationId xmlns:a16="http://schemas.microsoft.com/office/drawing/2014/main" id="{BB008632-41E5-403E-B6A4-7EF6ECBFB6B0}"/>
+                </a:ext>
+              </a:extLst>
+            </p:cNvPr>
+            <p:cNvSpPr txBox="1"/>
+            <p:nvPr/>
+          </p:nvSpPr>
+          <p:spPr>
+            <a:xfrm>
+              <a:off x="6216935" y="9383565"/>
+              <a:ext cx="6316153" cy="1015663"/>
+            </a:xfrm>
+            <a:prstGeom prst="rect">
+              <a:avLst/>
+            </a:prstGeom>
+            <a:solidFill>
+              <a:schemeClr val="bg1"/>
+            </a:solidFill>
+          </p:spPr>
+          <p:txBody>
+            <a:bodyPr wrap="none" rtlCol="0">
+              <a:spAutoFit/>
+            </a:bodyPr>
+            <a:lstStyle/>
+            <a:p>
+              <a:r>
+                <a:rPr lang="en-US" sz="6000" dirty="0">
+                  <a:latin typeface="Times New Roman" panose="02020603050405020304" pitchFamily="18" charset="0"/>
+                  <a:cs typeface="Times New Roman" panose="02020603050405020304" pitchFamily="18" charset="0"/>
+                </a:rPr>
+                <a:t>Degree Distribution</a:t>
+              </a:r>
+            </a:p>
+          </p:txBody>
+        </p:sp>
+        <p:sp>
+          <p:nvSpPr>
+            <p:cNvPr id="32" name="TextBox 31">
+              <a:extLst>
+                <a:ext uri="{FF2B5EF4-FFF2-40B4-BE49-F238E27FC236}">
+                  <a16:creationId xmlns:a16="http://schemas.microsoft.com/office/drawing/2014/main" id="{3A7DCF30-74E2-43CF-9F3A-3DD8316C2516}"/>
+                </a:ext>
+              </a:extLst>
+            </p:cNvPr>
+            <p:cNvSpPr txBox="1"/>
+            <p:nvPr/>
+          </p:nvSpPr>
+          <p:spPr>
+            <a:xfrm>
+              <a:off x="298136" y="9498277"/>
+              <a:ext cx="3776284" cy="1107996"/>
+            </a:xfrm>
+            <a:prstGeom prst="rect">
+              <a:avLst/>
+            </a:prstGeom>
+            <a:noFill/>
+          </p:spPr>
+          <p:txBody>
+            <a:bodyPr wrap="square" rtlCol="0">
+              <a:spAutoFit/>
+            </a:bodyPr>
+            <a:lstStyle/>
+            <a:p>
+              <a:r>
+                <a:rPr lang="en-US" sz="6600" b="1" dirty="0">
+                  <a:latin typeface="Times New Roman" panose="02020603050405020304" pitchFamily="18" charset="0"/>
+                  <a:cs typeface="Times New Roman" panose="02020603050405020304" pitchFamily="18" charset="0"/>
+                </a:rPr>
+                <a:t>B</a:t>
+              </a:r>
+            </a:p>
+          </p:txBody>
+        </p:sp>
+        <p:sp>
+          <p:nvSpPr>
+            <p:cNvPr id="33" name="Rectangle 32">
+              <a:extLst>
+                <a:ext uri="{FF2B5EF4-FFF2-40B4-BE49-F238E27FC236}">
+                  <a16:creationId xmlns:a16="http://schemas.microsoft.com/office/drawing/2014/main" id="{0D6FE62A-CDE3-4DDF-A3D0-C4CF992B5D73}"/>
+                </a:ext>
+              </a:extLst>
+            </p:cNvPr>
+            <p:cNvSpPr/>
+            <p:nvPr/>
+          </p:nvSpPr>
+          <p:spPr>
+            <a:xfrm>
+              <a:off x="11767855" y="10875765"/>
+              <a:ext cx="5910943" cy="3526971"/>
+            </a:xfrm>
+            <a:prstGeom prst="rect">
+              <a:avLst/>
+            </a:prstGeom>
+            <a:solidFill>
+              <a:schemeClr val="bg1"/>
+            </a:solidFill>
+            <a:ln>
+              <a:solidFill>
+                <a:schemeClr val="bg1"/>
+              </a:solidFill>
+            </a:ln>
+          </p:spPr>
+          <p:style>
+            <a:lnRef idx="2">
+              <a:schemeClr val="accent1">
+                <a:shade val="50000"/>
+              </a:schemeClr>
+            </a:lnRef>
+            <a:fillRef idx="1">
+              <a:schemeClr val="accent1"/>
+            </a:fillRef>
+            <a:effectRef idx="0">
+              <a:schemeClr val="accent1"/>
+            </a:effectRef>
+            <a:fontRef idx="minor">
+              <a:schemeClr val="lt1"/>
+            </a:fontRef>
+          </p:style>
+          <p:txBody>
+            <a:bodyPr rtlCol="0" anchor="ctr"/>
+            <a:lstStyle/>
+            <a:p>
+              <a:pPr algn="ctr"/>
+              <a:endParaRPr lang="en-US"/>
+            </a:p>
+          </p:txBody>
+        </p:sp>
+        <p:sp>
+          <p:nvSpPr>
+            <p:cNvPr id="34" name="Rectangle 33">
+              <a:extLst>
+                <a:ext uri="{FF2B5EF4-FFF2-40B4-BE49-F238E27FC236}">
+                  <a16:creationId xmlns:a16="http://schemas.microsoft.com/office/drawing/2014/main" id="{A321751F-8EAD-4E2E-807A-DBB1888669DB}"/>
+                </a:ext>
+              </a:extLst>
+            </p:cNvPr>
+            <p:cNvSpPr/>
+            <p:nvPr/>
+          </p:nvSpPr>
+          <p:spPr>
+            <a:xfrm>
+              <a:off x="11223067" y="1955103"/>
+              <a:ext cx="6019904" cy="3526971"/>
+            </a:xfrm>
+            <a:prstGeom prst="rect">
+              <a:avLst/>
+            </a:prstGeom>
+            <a:solidFill>
+              <a:schemeClr val="bg1"/>
+            </a:solidFill>
+            <a:ln>
+              <a:solidFill>
+                <a:schemeClr val="bg1"/>
+              </a:solidFill>
+            </a:ln>
+          </p:spPr>
+          <p:style>
+            <a:lnRef idx="2">
+              <a:schemeClr val="accent1">
+                <a:shade val="50000"/>
+              </a:schemeClr>
+            </a:lnRef>
+            <a:fillRef idx="1">
+              <a:schemeClr val="accent1"/>
+            </a:fillRef>
+            <a:effectRef idx="0">
+              <a:schemeClr val="accent1"/>
+            </a:effectRef>
+            <a:fontRef idx="minor">
+              <a:schemeClr val="lt1"/>
+            </a:fontRef>
+          </p:style>
+          <p:txBody>
+            <a:bodyPr rtlCol="0" anchor="ctr"/>
+            <a:lstStyle/>
+            <a:p>
+              <a:pPr algn="ctr"/>
+              <a:endParaRPr lang="en-US"/>
+            </a:p>
+          </p:txBody>
+        </p:sp>
+        <p:sp>
+          <p:nvSpPr>
+            <p:cNvPr id="35" name="TextBox 34">
+              <a:extLst>
+                <a:ext uri="{FF2B5EF4-FFF2-40B4-BE49-F238E27FC236}">
+                  <a16:creationId xmlns:a16="http://schemas.microsoft.com/office/drawing/2014/main" id="{021C8F60-5EB9-4343-B049-67F80BBA7004}"/>
+                </a:ext>
+              </a:extLst>
+            </p:cNvPr>
+            <p:cNvSpPr txBox="1"/>
+            <p:nvPr/>
+          </p:nvSpPr>
+          <p:spPr>
+            <a:xfrm>
+              <a:off x="156840" y="18898176"/>
+              <a:ext cx="3776284" cy="1107996"/>
+            </a:xfrm>
+            <a:prstGeom prst="rect">
+              <a:avLst/>
+            </a:prstGeom>
+            <a:noFill/>
+          </p:spPr>
+          <p:txBody>
+            <a:bodyPr wrap="square" rtlCol="0">
+              <a:spAutoFit/>
+            </a:bodyPr>
+            <a:lstStyle/>
+            <a:p>
+              <a:r>
+                <a:rPr lang="en-US" sz="6600" b="1" dirty="0">
+                  <a:latin typeface="Times New Roman" panose="02020603050405020304" pitchFamily="18" charset="0"/>
+                  <a:cs typeface="Times New Roman" panose="02020603050405020304" pitchFamily="18" charset="0"/>
+                </a:rPr>
+                <a:t>C</a:t>
+              </a:r>
+            </a:p>
+          </p:txBody>
+        </p:sp>
+        <p:sp>
+          <p:nvSpPr>
+            <p:cNvPr id="36" name="TextBox 35">
+              <a:extLst>
+                <a:ext uri="{FF2B5EF4-FFF2-40B4-BE49-F238E27FC236}">
+                  <a16:creationId xmlns:a16="http://schemas.microsoft.com/office/drawing/2014/main" id="{2DF50ECB-0547-41B3-9C27-38E3C2320D23}"/>
+                </a:ext>
+              </a:extLst>
+            </p:cNvPr>
+            <p:cNvSpPr txBox="1"/>
+            <p:nvPr/>
+          </p:nvSpPr>
+          <p:spPr>
+            <a:xfrm>
+              <a:off x="4553132" y="19282253"/>
+              <a:ext cx="9862700" cy="1015663"/>
+            </a:xfrm>
+            <a:prstGeom prst="rect">
+              <a:avLst/>
+            </a:prstGeom>
+            <a:solidFill>
+              <a:schemeClr val="bg1"/>
+            </a:solidFill>
+          </p:spPr>
+          <p:txBody>
+            <a:bodyPr wrap="none" rtlCol="0">
+              <a:spAutoFit/>
+            </a:bodyPr>
+            <a:lstStyle/>
+            <a:p>
+              <a:r>
+                <a:rPr lang="en-US" sz="6000" dirty="0">
+                  <a:latin typeface="Times New Roman" panose="02020603050405020304" pitchFamily="18" charset="0"/>
+                  <a:cs typeface="Times New Roman" panose="02020603050405020304" pitchFamily="18" charset="0"/>
+                </a:rPr>
+                <a:t>Distribution of Saturation Time</a:t>
+              </a:r>
+            </a:p>
+          </p:txBody>
+        </p:sp>
+        <p:sp>
+          <p:nvSpPr>
+            <p:cNvPr id="37" name="Rectangle 36">
+              <a:extLst>
+                <a:ext uri="{FF2B5EF4-FFF2-40B4-BE49-F238E27FC236}">
+                  <a16:creationId xmlns:a16="http://schemas.microsoft.com/office/drawing/2014/main" id="{6711413F-4680-44FB-B377-31DB7E13F1D9}"/>
+                </a:ext>
+              </a:extLst>
+            </p:cNvPr>
+            <p:cNvSpPr/>
+            <p:nvPr/>
+          </p:nvSpPr>
+          <p:spPr>
+            <a:xfrm>
+              <a:off x="11767855" y="20698807"/>
+              <a:ext cx="5919631" cy="3526971"/>
+            </a:xfrm>
+            <a:prstGeom prst="rect">
+              <a:avLst/>
+            </a:prstGeom>
+            <a:solidFill>
+              <a:schemeClr val="bg1"/>
+            </a:solidFill>
+            <a:ln>
+              <a:solidFill>
+                <a:schemeClr val="bg1"/>
+              </a:solidFill>
+            </a:ln>
+          </p:spPr>
+          <p:style>
+            <a:lnRef idx="2">
+              <a:schemeClr val="accent1">
+                <a:shade val="50000"/>
+              </a:schemeClr>
+            </a:lnRef>
+            <a:fillRef idx="1">
+              <a:schemeClr val="accent1"/>
+            </a:fillRef>
+            <a:effectRef idx="0">
+              <a:schemeClr val="accent1"/>
+            </a:effectRef>
+            <a:fontRef idx="minor">
+              <a:schemeClr val="lt1"/>
+            </a:fontRef>
+          </p:style>
+          <p:txBody>
+            <a:bodyPr rtlCol="0" anchor="ctr"/>
+            <a:lstStyle/>
+            <a:p>
+              <a:pPr algn="ctr"/>
+              <a:endParaRPr lang="en-US"/>
+            </a:p>
+          </p:txBody>
+        </p:sp>
+        <p:sp>
+          <p:nvSpPr>
+            <p:cNvPr id="38" name="TextBox 37">
+              <a:extLst>
+                <a:ext uri="{FF2B5EF4-FFF2-40B4-BE49-F238E27FC236}">
+                  <a16:creationId xmlns:a16="http://schemas.microsoft.com/office/drawing/2014/main" id="{1BBE1AB2-6AAB-4E14-AF8B-0C67D2E690FA}"/>
+                </a:ext>
+              </a:extLst>
+            </p:cNvPr>
+            <p:cNvSpPr txBox="1"/>
+            <p:nvPr/>
+          </p:nvSpPr>
+          <p:spPr>
+            <a:xfrm>
+              <a:off x="7745897" y="29434480"/>
+              <a:ext cx="3477170" cy="707886"/>
+            </a:xfrm>
+            <a:prstGeom prst="rect">
+              <a:avLst/>
+            </a:prstGeom>
+            <a:solidFill>
+              <a:schemeClr val="bg1"/>
+            </a:solidFill>
+          </p:spPr>
+          <p:txBody>
+            <a:bodyPr wrap="none" rtlCol="0">
+              <a:spAutoFit/>
+            </a:bodyPr>
+            <a:lstStyle/>
+            <a:p>
+              <a:r>
+                <a:rPr lang="en-US" sz="4000" dirty="0">
+                  <a:latin typeface="Times New Roman" panose="02020603050405020304" pitchFamily="18" charset="0"/>
+                  <a:cs typeface="Times New Roman" panose="02020603050405020304" pitchFamily="18" charset="0"/>
+                </a:rPr>
+                <a:t>Saturation Time</a:t>
+              </a:r>
+            </a:p>
+          </p:txBody>
+        </p:sp>
+        <p:sp>
+          <p:nvSpPr>
+            <p:cNvPr id="39" name="TextBox 38">
+              <a:extLst>
+                <a:ext uri="{FF2B5EF4-FFF2-40B4-BE49-F238E27FC236}">
+                  <a16:creationId xmlns:a16="http://schemas.microsoft.com/office/drawing/2014/main" id="{5E092259-4214-4285-AFF8-354DAD64A656}"/>
+                </a:ext>
+              </a:extLst>
+            </p:cNvPr>
+            <p:cNvSpPr txBox="1"/>
+            <p:nvPr/>
+          </p:nvSpPr>
+          <p:spPr>
+            <a:xfrm rot="16200000">
+              <a:off x="-1145338" y="24108317"/>
+              <a:ext cx="3196281" cy="707886"/>
+            </a:xfrm>
+            <a:prstGeom prst="rect">
+              <a:avLst/>
+            </a:prstGeom>
+            <a:solidFill>
+              <a:schemeClr val="bg1"/>
+            </a:solidFill>
+          </p:spPr>
+          <p:txBody>
+            <a:bodyPr wrap="square" rtlCol="0">
+              <a:spAutoFit/>
+            </a:bodyPr>
+            <a:lstStyle/>
+            <a:p>
+              <a:r>
+                <a:rPr lang="en-US" sz="4000" dirty="0">
+                  <a:latin typeface="Times New Roman" panose="02020603050405020304" pitchFamily="18" charset="0"/>
+                  <a:cs typeface="Times New Roman" panose="02020603050405020304" pitchFamily="18" charset="0"/>
+                </a:rPr>
+                <a:t>Frequency</a:t>
+              </a:r>
+            </a:p>
+          </p:txBody>
+        </p:sp>
+      </p:grpSp>
+      <p:sp>
+        <p:nvSpPr>
+          <p:cNvPr id="42" name="TextBox 41">
             <a:extLst>
               <a:ext uri="{FF2B5EF4-FFF2-40B4-BE49-F238E27FC236}">
-                <a16:creationId xmlns:a16="http://schemas.microsoft.com/office/drawing/2014/main" id="{DDBBC219-F517-4870-A2C7-56694EF09C42}"/>
+                <a16:creationId xmlns:a16="http://schemas.microsoft.com/office/drawing/2014/main" id="{99878751-CA17-46A0-8D6B-6F2B7CEDA695}"/>
               </a:ext>
             </a:extLst>
           </p:cNvPr>
@@ -3077,8 +3864,128 @@
         </p:nvSpPr>
         <p:spPr>
           <a:xfrm>
-            <a:off x="2" y="3516787"/>
-            <a:ext cx="1992923" cy="584775"/>
+            <a:off x="8989005" y="40351140"/>
+            <a:ext cx="1665841" cy="707886"/>
+          </a:xfrm>
+          <a:prstGeom prst="rect">
+            <a:avLst/>
+          </a:prstGeom>
+          <a:solidFill>
+            <a:schemeClr val="bg1"/>
+          </a:solidFill>
+        </p:spPr>
+        <p:txBody>
+          <a:bodyPr wrap="none" rtlCol="0">
+            <a:spAutoFit/>
+          </a:bodyPr>
+          <a:lstStyle/>
+          <a:p>
+            <a:r>
+              <a:rPr lang="en-US" sz="4000" dirty="0">
+                <a:latin typeface="Times New Roman" panose="02020603050405020304" pitchFamily="18" charset="0"/>
+                <a:cs typeface="Times New Roman" panose="02020603050405020304" pitchFamily="18" charset="0"/>
+              </a:rPr>
+              <a:t>Degree</a:t>
+            </a:r>
+          </a:p>
+        </p:txBody>
+      </p:sp>
+      <p:sp>
+        <p:nvSpPr>
+          <p:cNvPr id="43" name="TextBox 42">
+            <a:extLst>
+              <a:ext uri="{FF2B5EF4-FFF2-40B4-BE49-F238E27FC236}">
+                <a16:creationId xmlns:a16="http://schemas.microsoft.com/office/drawing/2014/main" id="{7EF0D11B-DD57-43ED-840D-8F5E209B3B0E}"/>
+              </a:ext>
+            </a:extLst>
+          </p:cNvPr>
+          <p:cNvSpPr txBox="1"/>
+          <p:nvPr/>
+        </p:nvSpPr>
+        <p:spPr>
+          <a:xfrm rot="16200000">
+            <a:off x="-893195" y="35619254"/>
+            <a:ext cx="3196281" cy="707886"/>
+          </a:xfrm>
+          <a:prstGeom prst="rect">
+            <a:avLst/>
+          </a:prstGeom>
+          <a:solidFill>
+            <a:schemeClr val="bg1"/>
+          </a:solidFill>
+        </p:spPr>
+        <p:txBody>
+          <a:bodyPr wrap="square" rtlCol="0">
+            <a:spAutoFit/>
+          </a:bodyPr>
+          <a:lstStyle/>
+          <a:p>
+            <a:r>
+              <a:rPr lang="en-US" sz="4000" dirty="0">
+                <a:latin typeface="Times New Roman" panose="02020603050405020304" pitchFamily="18" charset="0"/>
+                <a:cs typeface="Times New Roman" panose="02020603050405020304" pitchFamily="18" charset="0"/>
+              </a:rPr>
+              <a:t>Frequency</a:t>
+            </a:r>
+          </a:p>
+        </p:txBody>
+      </p:sp>
+      <p:sp>
+        <p:nvSpPr>
+          <p:cNvPr id="44" name="TextBox 43">
+            <a:extLst>
+              <a:ext uri="{FF2B5EF4-FFF2-40B4-BE49-F238E27FC236}">
+                <a16:creationId xmlns:a16="http://schemas.microsoft.com/office/drawing/2014/main" id="{EF264CBB-BF5D-49D9-A632-2C1C6ED6757B}"/>
+              </a:ext>
+            </a:extLst>
+          </p:cNvPr>
+          <p:cNvSpPr txBox="1"/>
+          <p:nvPr/>
+        </p:nvSpPr>
+        <p:spPr>
+          <a:xfrm>
+            <a:off x="6283726" y="31793324"/>
+            <a:ext cx="6316153" cy="1015663"/>
+          </a:xfrm>
+          <a:prstGeom prst="rect">
+            <a:avLst/>
+          </a:prstGeom>
+          <a:solidFill>
+            <a:schemeClr val="bg1"/>
+          </a:solidFill>
+        </p:spPr>
+        <p:txBody>
+          <a:bodyPr wrap="none" rtlCol="0">
+            <a:spAutoFit/>
+          </a:bodyPr>
+          <a:lstStyle/>
+          <a:p>
+            <a:r>
+              <a:rPr lang="en-US" sz="6000" dirty="0">
+                <a:latin typeface="Times New Roman" panose="02020603050405020304" pitchFamily="18" charset="0"/>
+                <a:cs typeface="Times New Roman" panose="02020603050405020304" pitchFamily="18" charset="0"/>
+              </a:rPr>
+              <a:t>Degree Distribution</a:t>
+            </a:r>
+          </a:p>
+        </p:txBody>
+      </p:sp>
+      <p:sp>
+        <p:nvSpPr>
+          <p:cNvPr id="45" name="TextBox 44">
+            <a:extLst>
+              <a:ext uri="{FF2B5EF4-FFF2-40B4-BE49-F238E27FC236}">
+                <a16:creationId xmlns:a16="http://schemas.microsoft.com/office/drawing/2014/main" id="{9825138D-BDF2-460F-B649-E43F2B06C3D4}"/>
+              </a:ext>
+            </a:extLst>
+          </p:cNvPr>
+          <p:cNvSpPr txBox="1"/>
+          <p:nvPr/>
+        </p:nvSpPr>
+        <p:spPr>
+          <a:xfrm>
+            <a:off x="176203" y="31689677"/>
+            <a:ext cx="3776284" cy="1107996"/>
           </a:xfrm>
           <a:prstGeom prst="rect">
             <a:avLst/>
@@ -3092,220 +3999,66 @@
           <a:lstStyle/>
           <a:p>
             <a:r>
-              <a:rPr lang="en-US" sz="3200" b="1">
+              <a:rPr lang="en-US" sz="6600" b="1" dirty="0">
                 <a:latin typeface="Times New Roman" panose="02020603050405020304" pitchFamily="18" charset="0"/>
                 <a:cs typeface="Times New Roman" panose="02020603050405020304" pitchFamily="18" charset="0"/>
               </a:rPr>
-              <a:t>b</a:t>
-            </a:r>
-            <a:endParaRPr lang="en-US" sz="3200" b="1" dirty="0">
-              <a:latin typeface="Times New Roman" panose="02020603050405020304" pitchFamily="18" charset="0"/>
-              <a:cs typeface="Times New Roman" panose="02020603050405020304" pitchFamily="18" charset="0"/>
-            </a:endParaRPr>
-          </a:p>
-        </p:txBody>
-      </p:sp>
-      <p:pic>
-        <p:nvPicPr>
-          <p:cNvPr id="7" name="Picture 2">
+              <a:t>D</a:t>
+            </a:r>
+          </a:p>
+        </p:txBody>
+      </p:sp>
+      <p:sp>
+        <p:nvSpPr>
+          <p:cNvPr id="46" name="Rectangle 45">
             <a:extLst>
               <a:ext uri="{FF2B5EF4-FFF2-40B4-BE49-F238E27FC236}">
-                <a16:creationId xmlns:a16="http://schemas.microsoft.com/office/drawing/2014/main" id="{078651FD-2D69-4BBA-BA2A-D94FB0727C98}"/>
+                <a16:creationId xmlns:a16="http://schemas.microsoft.com/office/drawing/2014/main" id="{82EE2E1C-5C39-4B95-AF09-5AD8FFA09BBF}"/>
               </a:ext>
             </a:extLst>
           </p:cNvPr>
-          <p:cNvPicPr>
-            <a:picLocks noChangeAspect="1" noChangeArrowheads="1"/>
-          </p:cNvPicPr>
+          <p:cNvSpPr/>
           <p:nvPr/>
-        </p:nvPicPr>
-        <p:blipFill rotWithShape="1">
-          <a:blip r:embed="rId2">
-            <a:extLst>
-              <a:ext uri="{28A0092B-C50C-407E-A947-70E740481C1C}">
-                <a14:useLocalDpi xmlns:a14="http://schemas.microsoft.com/office/drawing/2010/main" val="0"/>
-              </a:ext>
-            </a:extLst>
-          </a:blip>
-          <a:srcRect t="53085"/>
-          <a:stretch/>
-        </p:blipFill>
-        <p:spPr bwMode="auto">
+        </p:nvSpPr>
+        <p:spPr>
           <a:xfrm>
-            <a:off x="2" y="4000480"/>
-            <a:ext cx="9177459" cy="3229216"/>
+            <a:off x="11319968" y="33020381"/>
+            <a:ext cx="6316153" cy="3888530"/>
           </a:xfrm>
           <a:prstGeom prst="rect">
             <a:avLst/>
           </a:prstGeom>
-          <a:noFill/>
-          <a:extLst>
-            <a:ext uri="{909E8E84-426E-40DD-AFC4-6F175D3DCCD1}">
-              <a14:hiddenFill xmlns:a14="http://schemas.microsoft.com/office/drawing/2010/main">
-                <a:solidFill>
-                  <a:srgbClr val="FFFFFF"/>
-                </a:solidFill>
-              </a14:hiddenFill>
-            </a:ext>
-          </a:extLst>
+          <a:solidFill>
+            <a:schemeClr val="bg1"/>
+          </a:solidFill>
+          <a:ln>
+            <a:solidFill>
+              <a:schemeClr val="bg1"/>
+            </a:solidFill>
+          </a:ln>
         </p:spPr>
-      </p:pic>
-      <p:pic>
-        <p:nvPicPr>
-          <p:cNvPr id="8" name="Picture 4">
-            <a:extLst>
-              <a:ext uri="{FF2B5EF4-FFF2-40B4-BE49-F238E27FC236}">
-                <a16:creationId xmlns:a16="http://schemas.microsoft.com/office/drawing/2014/main" id="{16F5500D-0728-4B54-A957-0704052221B0}"/>
-              </a:ext>
-            </a:extLst>
-          </p:cNvPr>
-          <p:cNvPicPr>
-            <a:picLocks noChangeAspect="1" noChangeArrowheads="1"/>
-          </p:cNvPicPr>
-          <p:nvPr/>
-        </p:nvPicPr>
-        <p:blipFill rotWithShape="1">
-          <a:blip r:embed="rId3">
-            <a:extLst>
-              <a:ext uri="{28A0092B-C50C-407E-A947-70E740481C1C}">
-                <a14:useLocalDpi xmlns:a14="http://schemas.microsoft.com/office/drawing/2010/main" val="0"/>
-              </a:ext>
-            </a:extLst>
-          </a:blip>
-          <a:srcRect t="53159"/>
-          <a:stretch/>
-        </p:blipFill>
-        <p:spPr bwMode="auto">
-          <a:xfrm>
-            <a:off x="9320994" y="4067461"/>
-            <a:ext cx="8967006" cy="3150188"/>
-          </a:xfrm>
-          <a:prstGeom prst="rect">
-            <a:avLst/>
-          </a:prstGeom>
-          <a:noFill/>
-          <a:extLst>
-            <a:ext uri="{909E8E84-426E-40DD-AFC4-6F175D3DCCD1}">
-              <a14:hiddenFill xmlns:a14="http://schemas.microsoft.com/office/drawing/2010/main">
-                <a:solidFill>
-                  <a:srgbClr val="FFFFFF"/>
-                </a:solidFill>
-              </a14:hiddenFill>
-            </a:ext>
-          </a:extLst>
-        </p:spPr>
-      </p:pic>
-      <p:sp>
-        <p:nvSpPr>
-          <p:cNvPr id="12" name="TextBox 11">
-            <a:extLst>
-              <a:ext uri="{FF2B5EF4-FFF2-40B4-BE49-F238E27FC236}">
-                <a16:creationId xmlns:a16="http://schemas.microsoft.com/office/drawing/2014/main" id="{8F2E8DD4-30CB-4216-8384-EA05DBFB8EF3}"/>
-              </a:ext>
-            </a:extLst>
-          </p:cNvPr>
-          <p:cNvSpPr txBox="1"/>
-          <p:nvPr/>
-        </p:nvSpPr>
-        <p:spPr>
-          <a:xfrm>
-            <a:off x="9486902" y="3516787"/>
-            <a:ext cx="1992923" cy="584775"/>
-          </a:xfrm>
-          <a:prstGeom prst="rect">
-            <a:avLst/>
-          </a:prstGeom>
-          <a:noFill/>
-        </p:spPr>
-        <p:txBody>
-          <a:bodyPr wrap="square" rtlCol="0">
-            <a:spAutoFit/>
-          </a:bodyPr>
-          <a:lstStyle/>
-          <a:p>
-            <a:r>
-              <a:rPr lang="en-US" sz="3200" b="1" dirty="0">
-                <a:latin typeface="Times New Roman" panose="02020603050405020304" pitchFamily="18" charset="0"/>
-                <a:cs typeface="Times New Roman" panose="02020603050405020304" pitchFamily="18" charset="0"/>
-              </a:rPr>
-              <a:t>d</a:t>
-            </a:r>
-          </a:p>
-        </p:txBody>
-      </p:sp>
-      <p:sp>
-        <p:nvSpPr>
-          <p:cNvPr id="4" name="TextBox 3">
-            <a:extLst>
-              <a:ext uri="{FF2B5EF4-FFF2-40B4-BE49-F238E27FC236}">
-                <a16:creationId xmlns:a16="http://schemas.microsoft.com/office/drawing/2014/main" id="{AB10D614-C5B3-4D25-855A-37059E7883CF}"/>
-              </a:ext>
-            </a:extLst>
-          </p:cNvPr>
-          <p:cNvSpPr txBox="1"/>
-          <p:nvPr/>
-        </p:nvSpPr>
-        <p:spPr>
-          <a:xfrm>
-            <a:off x="2" y="-125068"/>
-            <a:ext cx="1992923" cy="584775"/>
-          </a:xfrm>
-          <a:prstGeom prst="rect">
-            <a:avLst/>
-          </a:prstGeom>
-          <a:noFill/>
-        </p:spPr>
-        <p:txBody>
-          <a:bodyPr wrap="square" rtlCol="0">
-            <a:spAutoFit/>
-          </a:bodyPr>
-          <a:lstStyle/>
-          <a:p>
-            <a:r>
-              <a:rPr lang="en-US" sz="3200" b="1" dirty="0">
-                <a:latin typeface="Times New Roman" panose="02020603050405020304" pitchFamily="18" charset="0"/>
-                <a:cs typeface="Times New Roman" panose="02020603050405020304" pitchFamily="18" charset="0"/>
-              </a:rPr>
-              <a:t>a</a:t>
-            </a:r>
-          </a:p>
-        </p:txBody>
-      </p:sp>
-      <p:sp>
-        <p:nvSpPr>
-          <p:cNvPr id="11" name="TextBox 10">
-            <a:extLst>
-              <a:ext uri="{FF2B5EF4-FFF2-40B4-BE49-F238E27FC236}">
-                <a16:creationId xmlns:a16="http://schemas.microsoft.com/office/drawing/2014/main" id="{9F82EF65-6928-4F4F-930D-D27996DF8240}"/>
-              </a:ext>
-            </a:extLst>
-          </p:cNvPr>
-          <p:cNvSpPr txBox="1"/>
-          <p:nvPr/>
-        </p:nvSpPr>
-        <p:spPr>
-          <a:xfrm>
-            <a:off x="9486902" y="-125068"/>
-            <a:ext cx="1992923" cy="584775"/>
-          </a:xfrm>
-          <a:prstGeom prst="rect">
-            <a:avLst/>
-          </a:prstGeom>
-          <a:noFill/>
-        </p:spPr>
-        <p:txBody>
-          <a:bodyPr wrap="square" rtlCol="0">
-            <a:spAutoFit/>
-          </a:bodyPr>
-          <a:lstStyle/>
-          <a:p>
-            <a:r>
-              <a:rPr lang="en-US" sz="3200" b="1" dirty="0">
-                <a:latin typeface="Times New Roman" panose="02020603050405020304" pitchFamily="18" charset="0"/>
-                <a:cs typeface="Times New Roman" panose="02020603050405020304" pitchFamily="18" charset="0"/>
-              </a:rPr>
-              <a:t>c</a:t>
-            </a:r>
+        <p:style>
+          <a:lnRef idx="2">
+            <a:schemeClr val="accent1">
+              <a:shade val="50000"/>
+            </a:schemeClr>
+          </a:lnRef>
+          <a:fillRef idx="1">
+            <a:schemeClr val="accent1"/>
+          </a:fillRef>
+          <a:effectRef idx="0">
+            <a:schemeClr val="accent1"/>
+          </a:effectRef>
+          <a:fontRef idx="minor">
+            <a:schemeClr val="lt1"/>
+          </a:fontRef>
+        </p:style>
+        <p:txBody>
+          <a:bodyPr rtlCol="0" anchor="ctr"/>
+          <a:lstStyle/>
+          <a:p>
+            <a:pPr algn="ctr"/>
+            <a:endParaRPr lang="en-US"/>
           </a:p>
         </p:txBody>
       </p:sp>
